--- a/report1/Report1 2024-2025 - PETREA Andrei - Minimizarea unui Dockerfile.pptx
+++ b/report1/Report1 2024-2025 - PETREA Andrei - Minimizarea unui Dockerfile.pptx
@@ -7,7 +7,7 @@
     <p:sldMasterId id="2147483663" r:id="rId3"/>
   </p:sldMasterIdLst>
   <p:notesMasterIdLst>
-    <p:notesMasterId r:id="rId14"/>
+    <p:notesMasterId r:id="rId17"/>
   </p:notesMasterIdLst>
   <p:sldIdLst>
     <p:sldId id="256" r:id="rId4"/>
@@ -17,9 +17,12 @@
     <p:sldId id="262" r:id="rId8"/>
     <p:sldId id="263" r:id="rId9"/>
     <p:sldId id="264" r:id="rId10"/>
-    <p:sldId id="260" r:id="rId11"/>
-    <p:sldId id="261" r:id="rId12"/>
-    <p:sldId id="265" r:id="rId13"/>
+    <p:sldId id="267" r:id="rId11"/>
+    <p:sldId id="268" r:id="rId12"/>
+    <p:sldId id="266" r:id="rId13"/>
+    <p:sldId id="260" r:id="rId14"/>
+    <p:sldId id="261" r:id="rId15"/>
+    <p:sldId id="265" r:id="rId16"/>
   </p:sldIdLst>
   <p:sldSz cx="9144000" cy="6858000" type="screen4x3"/>
   <p:notesSz cx="6858000" cy="9144000"/>
@@ -816,6 +819,110 @@
 </p:notes>
 </file>
 
+<file path=ppt/notesSlides/notesSlide10.xml><?xml version="1.0" encoding="utf-8"?>
+<p:notes xmlns:a="http://schemas.openxmlformats.org/drawingml/2006/main" xmlns:r="http://schemas.openxmlformats.org/officeDocument/2006/relationships" xmlns:p="http://schemas.openxmlformats.org/presentationml/2006/main" showMasterSp="0" showMasterPhAnim="0">
+  <p:cSld>
+    <p:spTree>
+      <p:nvGrpSpPr>
+        <p:cNvPr id="1" name="Shape 132"/>
+        <p:cNvGrpSpPr/>
+        <p:nvPr/>
+      </p:nvGrpSpPr>
+      <p:grpSpPr>
+        <a:xfrm>
+          <a:off x="0" y="0"/>
+          <a:ext cx="0" cy="0"/>
+          <a:chOff x="0" y="0"/>
+          <a:chExt cx="0" cy="0"/>
+        </a:xfrm>
+      </p:grpSpPr>
+      <p:sp>
+        <p:nvSpPr>
+          <p:cNvPr id="133" name="Google Shape;133;g122cef98ec6_0_25:notes"/>
+          <p:cNvSpPr>
+            <a:spLocks noGrp="1" noRot="1" noChangeAspect="1"/>
+          </p:cNvSpPr>
+          <p:nvPr>
+            <p:ph type="sldImg" idx="2"/>
+          </p:nvPr>
+        </p:nvSpPr>
+        <p:spPr>
+          <a:xfrm>
+            <a:off x="1143000" y="685800"/>
+            <a:ext cx="4572000" cy="3429000"/>
+          </a:xfrm>
+          <a:custGeom>
+            <a:avLst/>
+            <a:gdLst/>
+            <a:ahLst/>
+            <a:cxnLst/>
+            <a:rect l="l" t="t" r="r" b="b"/>
+            <a:pathLst>
+              <a:path w="120000" h="120000" extrusionOk="0">
+                <a:moveTo>
+                  <a:pt x="0" y="0"/>
+                </a:moveTo>
+                <a:lnTo>
+                  <a:pt x="120000" y="0"/>
+                </a:lnTo>
+                <a:lnTo>
+                  <a:pt x="120000" y="120000"/>
+                </a:lnTo>
+                <a:lnTo>
+                  <a:pt x="0" y="120000"/>
+                </a:lnTo>
+                <a:close/>
+              </a:path>
+            </a:pathLst>
+          </a:custGeom>
+        </p:spPr>
+      </p:sp>
+      <p:sp>
+        <p:nvSpPr>
+          <p:cNvPr id="134" name="Google Shape;134;g122cef98ec6_0_25:notes"/>
+          <p:cNvSpPr txBox="1">
+            <a:spLocks noGrp="1"/>
+          </p:cNvSpPr>
+          <p:nvPr>
+            <p:ph type="body" idx="1"/>
+          </p:nvPr>
+        </p:nvSpPr>
+        <p:spPr>
+          <a:xfrm>
+            <a:off x="685800" y="4343400"/>
+            <a:ext cx="5486400" cy="4114800"/>
+          </a:xfrm>
+          <a:prstGeom prst="rect">
+            <a:avLst/>
+          </a:prstGeom>
+        </p:spPr>
+        <p:txBody>
+          <a:bodyPr spcFirstLastPara="1" wrap="square" lIns="91425" tIns="91425" rIns="91425" bIns="91425" anchor="t" anchorCtr="0">
+            <a:noAutofit/>
+          </a:bodyPr>
+          <a:lstStyle/>
+          <a:p>
+            <a:pPr marL="0" lvl="0" indent="0" algn="l" rtl="0">
+              <a:spcBef>
+                <a:spcPts val="0"/>
+              </a:spcBef>
+              <a:spcAft>
+                <a:spcPts val="0"/>
+              </a:spcAft>
+              <a:buNone/>
+            </a:pPr>
+            <a:endParaRPr/>
+          </a:p>
+        </p:txBody>
+      </p:sp>
+    </p:spTree>
+  </p:cSld>
+  <p:clrMapOvr>
+    <a:masterClrMapping/>
+  </p:clrMapOvr>
+</p:notes>
+</file>
+
 <file path=ppt/notesSlides/notesSlide2.xml><?xml version="1.0" encoding="utf-8"?>
 <p:notes xmlns:a="http://schemas.openxmlformats.org/drawingml/2006/main" xmlns:r="http://schemas.openxmlformats.org/officeDocument/2006/relationships" xmlns:p="http://schemas.openxmlformats.org/presentationml/2006/main" showMasterSp="0" showMasterPhAnim="0">
   <p:cSld>
@@ -1423,6 +1530,212 @@
 </file>
 
 <file path=ppt/notesSlides/notesSlide7.xml><?xml version="1.0" encoding="utf-8"?>
+<p:notes xmlns:a="http://schemas.openxmlformats.org/drawingml/2006/main" xmlns:r="http://schemas.openxmlformats.org/officeDocument/2006/relationships" xmlns:p="http://schemas.openxmlformats.org/presentationml/2006/main">
+  <p:cSld>
+    <p:spTree>
+      <p:nvGrpSpPr>
+        <p:cNvPr id="1" name=""/>
+        <p:cNvGrpSpPr/>
+        <p:nvPr/>
+      </p:nvGrpSpPr>
+      <p:grpSpPr>
+        <a:xfrm>
+          <a:off x="0" y="0"/>
+          <a:ext cx="0" cy="0"/>
+          <a:chOff x="0" y="0"/>
+          <a:chExt cx="0" cy="0"/>
+        </a:xfrm>
+      </p:grpSpPr>
+      <p:sp>
+        <p:nvSpPr>
+          <p:cNvPr id="2" name="Slide Image Placeholder 1"/>
+          <p:cNvSpPr>
+            <a:spLocks noGrp="1" noRot="1" noChangeAspect="1"/>
+          </p:cNvSpPr>
+          <p:nvPr>
+            <p:ph type="sldImg"/>
+          </p:nvPr>
+        </p:nvSpPr>
+        <p:spPr>
+          <a:xfrm>
+            <a:off x="1143000" y="685800"/>
+            <a:ext cx="4572000" cy="3429000"/>
+          </a:xfrm>
+        </p:spPr>
+      </p:sp>
+      <p:sp>
+        <p:nvSpPr>
+          <p:cNvPr id="3" name="Notes Placeholder 2"/>
+          <p:cNvSpPr>
+            <a:spLocks noGrp="1"/>
+          </p:cNvSpPr>
+          <p:nvPr>
+            <p:ph type="body" idx="1"/>
+          </p:nvPr>
+        </p:nvSpPr>
+        <p:spPr/>
+        <p:txBody>
+          <a:bodyPr/>
+          <a:lstStyle/>
+          <a:p>
+            <a:r>
+              <a:rPr lang="en-US" dirty="0"/>
+              <a:t>[5] </a:t>
+            </a:r>
+            <a:r>
+              <a:rPr lang="en-GB" dirty="0">
+                <a:hlinkClick r:id="rId3"/>
+              </a:rPr>
+              <a:t>Concepts - </a:t>
+            </a:r>
+            <a:r>
+              <a:rPr lang="en-GB" dirty="0" err="1">
+                <a:hlinkClick r:id="rId3"/>
+              </a:rPr>
+              <a:t>Unikraft</a:t>
+            </a:r>
+            <a:endParaRPr lang="en-GB" dirty="0"/>
+          </a:p>
+        </p:txBody>
+      </p:sp>
+    </p:spTree>
+    <p:extLst>
+      <p:ext uri="{BB962C8B-B14F-4D97-AF65-F5344CB8AC3E}">
+        <p14:creationId xmlns:p14="http://schemas.microsoft.com/office/powerpoint/2010/main" val="2715867124"/>
+      </p:ext>
+    </p:extLst>
+  </p:cSld>
+  <p:clrMapOvr>
+    <a:masterClrMapping/>
+  </p:clrMapOvr>
+</p:notes>
+</file>
+
+<file path=ppt/notesSlides/notesSlide8.xml><?xml version="1.0" encoding="utf-8"?>
+<p:notes xmlns:a="http://schemas.openxmlformats.org/drawingml/2006/main" xmlns:r="http://schemas.openxmlformats.org/officeDocument/2006/relationships" xmlns:p="http://schemas.openxmlformats.org/presentationml/2006/main">
+  <p:cSld>
+    <p:spTree>
+      <p:nvGrpSpPr>
+        <p:cNvPr id="1" name=""/>
+        <p:cNvGrpSpPr/>
+        <p:nvPr/>
+      </p:nvGrpSpPr>
+      <p:grpSpPr>
+        <a:xfrm>
+          <a:off x="0" y="0"/>
+          <a:ext cx="0" cy="0"/>
+          <a:chOff x="0" y="0"/>
+          <a:chExt cx="0" cy="0"/>
+        </a:xfrm>
+      </p:grpSpPr>
+      <p:sp>
+        <p:nvSpPr>
+          <p:cNvPr id="2" name="Slide Image Placeholder 1"/>
+          <p:cNvSpPr>
+            <a:spLocks noGrp="1" noRot="1" noChangeAspect="1"/>
+          </p:cNvSpPr>
+          <p:nvPr>
+            <p:ph type="sldImg"/>
+          </p:nvPr>
+        </p:nvSpPr>
+        <p:spPr>
+          <a:xfrm>
+            <a:off x="1143000" y="685800"/>
+            <a:ext cx="4572000" cy="3429000"/>
+          </a:xfrm>
+        </p:spPr>
+      </p:sp>
+      <p:sp>
+        <p:nvSpPr>
+          <p:cNvPr id="3" name="Notes Placeholder 2"/>
+          <p:cNvSpPr>
+            <a:spLocks noGrp="1"/>
+          </p:cNvSpPr>
+          <p:nvPr>
+            <p:ph type="body" idx="1"/>
+          </p:nvPr>
+        </p:nvSpPr>
+        <p:spPr/>
+        <p:txBody>
+          <a:bodyPr/>
+          <a:lstStyle/>
+          <a:p>
+            <a:r>
+              <a:rPr lang="en-US" dirty="0"/>
+              <a:t>[6] </a:t>
+            </a:r>
+            <a:r>
+              <a:rPr lang="en-GB" dirty="0" err="1">
+                <a:hlinkClick r:id="rId3"/>
+              </a:rPr>
+              <a:t>catalog</a:t>
+            </a:r>
+            <a:r>
+              <a:rPr lang="en-GB" dirty="0">
+                <a:hlinkClick r:id="rId3"/>
+              </a:rPr>
+              <a:t>/examples/</a:t>
+            </a:r>
+            <a:r>
+              <a:rPr lang="en-GB" dirty="0" err="1">
+                <a:hlinkClick r:id="rId3"/>
+              </a:rPr>
+              <a:t>helloworld</a:t>
+            </a:r>
+            <a:r>
+              <a:rPr lang="en-GB" dirty="0">
+                <a:hlinkClick r:id="rId3"/>
+              </a:rPr>
+              <a:t>-c/</a:t>
+            </a:r>
+            <a:r>
+              <a:rPr lang="en-GB" dirty="0" err="1">
+                <a:hlinkClick r:id="rId3"/>
+              </a:rPr>
+              <a:t>Kraftfile</a:t>
+            </a:r>
+            <a:r>
+              <a:rPr lang="en-GB" dirty="0">
+                <a:hlinkClick r:id="rId3"/>
+              </a:rPr>
+              <a:t> at main · </a:t>
+            </a:r>
+            <a:r>
+              <a:rPr lang="en-GB" dirty="0" err="1">
+                <a:hlinkClick r:id="rId3"/>
+              </a:rPr>
+              <a:t>unikraft</a:t>
+            </a:r>
+            <a:r>
+              <a:rPr lang="en-GB" dirty="0">
+                <a:hlinkClick r:id="rId3"/>
+              </a:rPr>
+              <a:t>/</a:t>
+            </a:r>
+            <a:r>
+              <a:rPr lang="en-GB" dirty="0" err="1">
+                <a:hlinkClick r:id="rId3"/>
+              </a:rPr>
+              <a:t>catalog</a:t>
+            </a:r>
+            <a:endParaRPr lang="en-GB" dirty="0"/>
+          </a:p>
+        </p:txBody>
+      </p:sp>
+    </p:spTree>
+    <p:extLst>
+      <p:ext uri="{BB962C8B-B14F-4D97-AF65-F5344CB8AC3E}">
+        <p14:creationId xmlns:p14="http://schemas.microsoft.com/office/powerpoint/2010/main" val="740587143"/>
+      </p:ext>
+    </p:extLst>
+  </p:cSld>
+  <p:clrMapOvr>
+    <a:masterClrMapping/>
+  </p:clrMapOvr>
+</p:notes>
+</file>
+
+<file path=ppt/notesSlides/notesSlide9.xml><?xml version="1.0" encoding="utf-8"?>
 <p:notes xmlns:a="http://schemas.openxmlformats.org/drawingml/2006/main" xmlns:r="http://schemas.openxmlformats.org/officeDocument/2006/relationships" xmlns:p="http://schemas.openxmlformats.org/presentationml/2006/main" showMasterSp="0" showMasterPhAnim="0">
   <p:cSld>
     <p:spTree>
@@ -1483,110 +1796,6 @@
       <p:sp>
         <p:nvSpPr>
           <p:cNvPr id="127" name="Google Shape;127;g122cef98ec6_0_19:notes"/>
-          <p:cNvSpPr txBox="1">
-            <a:spLocks noGrp="1"/>
-          </p:cNvSpPr>
-          <p:nvPr>
-            <p:ph type="body" idx="1"/>
-          </p:nvPr>
-        </p:nvSpPr>
-        <p:spPr>
-          <a:xfrm>
-            <a:off x="685800" y="4343400"/>
-            <a:ext cx="5486400" cy="4114800"/>
-          </a:xfrm>
-          <a:prstGeom prst="rect">
-            <a:avLst/>
-          </a:prstGeom>
-        </p:spPr>
-        <p:txBody>
-          <a:bodyPr spcFirstLastPara="1" wrap="square" lIns="91425" tIns="91425" rIns="91425" bIns="91425" anchor="t" anchorCtr="0">
-            <a:noAutofit/>
-          </a:bodyPr>
-          <a:lstStyle/>
-          <a:p>
-            <a:pPr marL="0" lvl="0" indent="0" algn="l" rtl="0">
-              <a:spcBef>
-                <a:spcPts val="0"/>
-              </a:spcBef>
-              <a:spcAft>
-                <a:spcPts val="0"/>
-              </a:spcAft>
-              <a:buNone/>
-            </a:pPr>
-            <a:endParaRPr/>
-          </a:p>
-        </p:txBody>
-      </p:sp>
-    </p:spTree>
-  </p:cSld>
-  <p:clrMapOvr>
-    <a:masterClrMapping/>
-  </p:clrMapOvr>
-</p:notes>
-</file>
-
-<file path=ppt/notesSlides/notesSlide8.xml><?xml version="1.0" encoding="utf-8"?>
-<p:notes xmlns:a="http://schemas.openxmlformats.org/drawingml/2006/main" xmlns:r="http://schemas.openxmlformats.org/officeDocument/2006/relationships" xmlns:p="http://schemas.openxmlformats.org/presentationml/2006/main" showMasterSp="0" showMasterPhAnim="0">
-  <p:cSld>
-    <p:spTree>
-      <p:nvGrpSpPr>
-        <p:cNvPr id="1" name="Shape 132"/>
-        <p:cNvGrpSpPr/>
-        <p:nvPr/>
-      </p:nvGrpSpPr>
-      <p:grpSpPr>
-        <a:xfrm>
-          <a:off x="0" y="0"/>
-          <a:ext cx="0" cy="0"/>
-          <a:chOff x="0" y="0"/>
-          <a:chExt cx="0" cy="0"/>
-        </a:xfrm>
-      </p:grpSpPr>
-      <p:sp>
-        <p:nvSpPr>
-          <p:cNvPr id="133" name="Google Shape;133;g122cef98ec6_0_25:notes"/>
-          <p:cNvSpPr>
-            <a:spLocks noGrp="1" noRot="1" noChangeAspect="1"/>
-          </p:cNvSpPr>
-          <p:nvPr>
-            <p:ph type="sldImg" idx="2"/>
-          </p:nvPr>
-        </p:nvSpPr>
-        <p:spPr>
-          <a:xfrm>
-            <a:off x="1143000" y="685800"/>
-            <a:ext cx="4572000" cy="3429000"/>
-          </a:xfrm>
-          <a:custGeom>
-            <a:avLst/>
-            <a:gdLst/>
-            <a:ahLst/>
-            <a:cxnLst/>
-            <a:rect l="l" t="t" r="r" b="b"/>
-            <a:pathLst>
-              <a:path w="120000" h="120000" extrusionOk="0">
-                <a:moveTo>
-                  <a:pt x="0" y="0"/>
-                </a:moveTo>
-                <a:lnTo>
-                  <a:pt x="120000" y="0"/>
-                </a:lnTo>
-                <a:lnTo>
-                  <a:pt x="120000" y="120000"/>
-                </a:lnTo>
-                <a:lnTo>
-                  <a:pt x="0" y="120000"/>
-                </a:lnTo>
-                <a:close/>
-              </a:path>
-            </a:pathLst>
-          </a:custGeom>
-        </p:spPr>
-      </p:sp>
-      <p:sp>
-        <p:nvSpPr>
-          <p:cNvPr id="134" name="Google Shape;134;g122cef98ec6_0_25:notes"/>
           <p:cNvSpPr txBox="1">
             <a:spLocks noGrp="1"/>
           </p:cNvSpPr>
@@ -12259,13 +12468,13 @@
   <p:clrMapOvr>
     <a:masterClrMapping/>
   </p:clrMapOvr>
-  <mc:AlternateContent xmlns:mc="http://schemas.openxmlformats.org/markup-compatibility/2006">
-    <mc:Choice xmlns:p14="http://schemas.microsoft.com/office/powerpoint/2010/main" Requires="p14">
+  <mc:AlternateContent xmlns:mc="http://schemas.openxmlformats.org/markup-compatibility/2006" xmlns:p14="http://schemas.microsoft.com/office/powerpoint/2010/main">
+    <mc:Choice Requires="p14">
       <p:transition spd="slow" p14:dur="1500">
         <p:split orient="vert"/>
       </p:transition>
     </mc:Choice>
-    <mc:Fallback>
+    <mc:Fallback xmlns="">
       <p:transition spd="slow">
         <p:split orient="vert"/>
       </p:transition>
@@ -12275,6 +12484,1823 @@
 </file>
 
 <file path=ppt/slides/slide10.xml><?xml version="1.0" encoding="utf-8"?>
+<p:sld xmlns:a="http://schemas.openxmlformats.org/drawingml/2006/main" xmlns:r="http://schemas.openxmlformats.org/officeDocument/2006/relationships" xmlns:p="http://schemas.openxmlformats.org/presentationml/2006/main">
+  <p:cSld>
+    <p:spTree>
+      <p:nvGrpSpPr>
+        <p:cNvPr id="1" name="">
+          <a:extLst>
+            <a:ext uri="{FF2B5EF4-FFF2-40B4-BE49-F238E27FC236}">
+              <a16:creationId xmlns:a16="http://schemas.microsoft.com/office/drawing/2014/main" id="{5E7CB858-9358-138A-11B8-CF70CD45A670}"/>
+            </a:ext>
+          </a:extLst>
+        </p:cNvPr>
+        <p:cNvGrpSpPr/>
+        <p:nvPr/>
+      </p:nvGrpSpPr>
+      <p:grpSpPr>
+        <a:xfrm>
+          <a:off x="0" y="0"/>
+          <a:ext cx="0" cy="0"/>
+          <a:chOff x="0" y="0"/>
+          <a:chExt cx="0" cy="0"/>
+        </a:xfrm>
+      </p:grpSpPr>
+      <p:sp>
+        <p:nvSpPr>
+          <p:cNvPr id="2" name="Title 1">
+            <a:extLst>
+              <a:ext uri="{FF2B5EF4-FFF2-40B4-BE49-F238E27FC236}">
+                <a16:creationId xmlns:a16="http://schemas.microsoft.com/office/drawing/2014/main" id="{F649B7D9-3797-9CE1-DE62-3F14216B8C24}"/>
+              </a:ext>
+            </a:extLst>
+          </p:cNvPr>
+          <p:cNvSpPr>
+            <a:spLocks noGrp="1"/>
+          </p:cNvSpPr>
+          <p:nvPr>
+            <p:ph type="title"/>
+          </p:nvPr>
+        </p:nvSpPr>
+        <p:spPr/>
+        <p:txBody>
+          <a:bodyPr/>
+          <a:lstStyle/>
+          <a:p>
+            <a:r>
+              <a:rPr lang="en-US" dirty="0"/>
+              <a:t>How?</a:t>
+            </a:r>
+            <a:endParaRPr lang="en-GB" dirty="0"/>
+          </a:p>
+        </p:txBody>
+      </p:sp>
+      <p:sp>
+        <p:nvSpPr>
+          <p:cNvPr id="3" name="Text Placeholder 2">
+            <a:extLst>
+              <a:ext uri="{FF2B5EF4-FFF2-40B4-BE49-F238E27FC236}">
+                <a16:creationId xmlns:a16="http://schemas.microsoft.com/office/drawing/2014/main" id="{A27F2029-4BBD-A870-E9CD-ADA54F339ABA}"/>
+              </a:ext>
+            </a:extLst>
+          </p:cNvPr>
+          <p:cNvSpPr>
+            <a:spLocks noGrp="1"/>
+          </p:cNvSpPr>
+          <p:nvPr>
+            <p:ph type="body" idx="1"/>
+          </p:nvPr>
+        </p:nvSpPr>
+        <p:spPr/>
+        <p:txBody>
+          <a:bodyPr/>
+          <a:lstStyle/>
+          <a:p>
+            <a:endParaRPr lang="en-GB" dirty="0"/>
+          </a:p>
+        </p:txBody>
+      </p:sp>
+      <p:sp>
+        <p:nvSpPr>
+          <p:cNvPr id="4" name="Slide Number Placeholder 3">
+            <a:extLst>
+              <a:ext uri="{FF2B5EF4-FFF2-40B4-BE49-F238E27FC236}">
+                <a16:creationId xmlns:a16="http://schemas.microsoft.com/office/drawing/2014/main" id="{A8169F73-8FDB-494D-F6C8-DEFDCD17E580}"/>
+              </a:ext>
+            </a:extLst>
+          </p:cNvPr>
+          <p:cNvSpPr>
+            <a:spLocks noGrp="1"/>
+          </p:cNvSpPr>
+          <p:nvPr>
+            <p:ph type="sldNum" idx="12"/>
+          </p:nvPr>
+        </p:nvSpPr>
+        <p:spPr/>
+        <p:txBody>
+          <a:bodyPr/>
+          <a:lstStyle/>
+          <a:p>
+            <a:pPr marL="0" lvl="0" indent="0" algn="r" rtl="0">
+              <a:spcBef>
+                <a:spcPts val="0"/>
+              </a:spcBef>
+              <a:spcAft>
+                <a:spcPts val="0"/>
+              </a:spcAft>
+              <a:buNone/>
+            </a:pPr>
+            <a:fld id="{00000000-1234-1234-1234-123412341234}" type="slidenum">
+              <a:rPr lang="en-GB" smtClean="0"/>
+              <a:t>10</a:t>
+            </a:fld>
+            <a:endParaRPr lang="en-GB"/>
+          </a:p>
+        </p:txBody>
+      </p:sp>
+      <p:pic>
+        <p:nvPicPr>
+          <p:cNvPr id="6" name="Picture 5">
+            <a:extLst>
+              <a:ext uri="{FF2B5EF4-FFF2-40B4-BE49-F238E27FC236}">
+                <a16:creationId xmlns:a16="http://schemas.microsoft.com/office/drawing/2014/main" id="{C1DF8317-D17C-69FF-50DE-2F3D8C0B8DDE}"/>
+              </a:ext>
+            </a:extLst>
+          </p:cNvPr>
+          <p:cNvPicPr>
+            <a:picLocks noChangeAspect="1"/>
+          </p:cNvPicPr>
+          <p:nvPr/>
+        </p:nvPicPr>
+        <p:blipFill>
+          <a:blip r:embed="rId2"/>
+          <a:stretch>
+            <a:fillRect/>
+          </a:stretch>
+        </p:blipFill>
+        <p:spPr>
+          <a:xfrm>
+            <a:off x="457200" y="1214422"/>
+            <a:ext cx="4474831" cy="5019261"/>
+          </a:xfrm>
+          <a:prstGeom prst="rect">
+            <a:avLst/>
+          </a:prstGeom>
+        </p:spPr>
+      </p:pic>
+      <p:sp>
+        <p:nvSpPr>
+          <p:cNvPr id="18" name="Rectangle 17">
+            <a:extLst>
+              <a:ext uri="{FF2B5EF4-FFF2-40B4-BE49-F238E27FC236}">
+                <a16:creationId xmlns:a16="http://schemas.microsoft.com/office/drawing/2014/main" id="{BF04F984-4BF2-B0F1-FFA9-E7B3DC3722E9}"/>
+              </a:ext>
+            </a:extLst>
+          </p:cNvPr>
+          <p:cNvSpPr/>
+          <p:nvPr/>
+        </p:nvSpPr>
+        <p:spPr>
+          <a:xfrm>
+            <a:off x="457200" y="2644878"/>
+            <a:ext cx="4474831" cy="2426886"/>
+          </a:xfrm>
+          <a:prstGeom prst="rect">
+            <a:avLst/>
+          </a:prstGeom>
+          <a:noFill/>
+          <a:ln>
+            <a:solidFill>
+              <a:srgbClr val="FF0000"/>
+            </a:solidFill>
+          </a:ln>
+        </p:spPr>
+        <p:style>
+          <a:lnRef idx="2">
+            <a:schemeClr val="accent1">
+              <a:shade val="15000"/>
+            </a:schemeClr>
+          </a:lnRef>
+          <a:fillRef idx="1">
+            <a:schemeClr val="accent1"/>
+          </a:fillRef>
+          <a:effectRef idx="0">
+            <a:schemeClr val="accent1"/>
+          </a:effectRef>
+          <a:fontRef idx="minor">
+            <a:schemeClr val="lt1"/>
+          </a:fontRef>
+        </p:style>
+        <p:txBody>
+          <a:bodyPr rtlCol="0" anchor="ctr"/>
+          <a:lstStyle/>
+          <a:p>
+            <a:pPr algn="ctr"/>
+            <a:endParaRPr lang="en-GB"/>
+          </a:p>
+        </p:txBody>
+      </p:sp>
+      <p:cxnSp>
+        <p:nvCxnSpPr>
+          <p:cNvPr id="22" name="Straight Arrow Connector 21">
+            <a:extLst>
+              <a:ext uri="{FF2B5EF4-FFF2-40B4-BE49-F238E27FC236}">
+                <a16:creationId xmlns:a16="http://schemas.microsoft.com/office/drawing/2014/main" id="{5A86843F-F3AE-DC52-F59F-ADB7FDFDAA9E}"/>
+              </a:ext>
+            </a:extLst>
+          </p:cNvPr>
+          <p:cNvCxnSpPr/>
+          <p:nvPr/>
+        </p:nvCxnSpPr>
+        <p:spPr>
+          <a:xfrm>
+            <a:off x="4932031" y="3696929"/>
+            <a:ext cx="1557259" cy="0"/>
+          </a:xfrm>
+          <a:prstGeom prst="straightConnector1">
+            <a:avLst/>
+          </a:prstGeom>
+          <a:ln w="38100">
+            <a:solidFill>
+              <a:srgbClr val="FF0000"/>
+            </a:solidFill>
+            <a:tailEnd type="triangle"/>
+          </a:ln>
+        </p:spPr>
+        <p:style>
+          <a:lnRef idx="1">
+            <a:schemeClr val="accent1"/>
+          </a:lnRef>
+          <a:fillRef idx="0">
+            <a:schemeClr val="accent1"/>
+          </a:fillRef>
+          <a:effectRef idx="0">
+            <a:schemeClr val="accent1"/>
+          </a:effectRef>
+          <a:fontRef idx="minor">
+            <a:schemeClr val="tx1"/>
+          </a:fontRef>
+        </p:style>
+      </p:cxnSp>
+      <p:sp>
+        <p:nvSpPr>
+          <p:cNvPr id="23" name="TextBox 22">
+            <a:extLst>
+              <a:ext uri="{FF2B5EF4-FFF2-40B4-BE49-F238E27FC236}">
+                <a16:creationId xmlns:a16="http://schemas.microsoft.com/office/drawing/2014/main" id="{01BE8744-3D99-76CF-8348-151D2C00B115}"/>
+              </a:ext>
+            </a:extLst>
+          </p:cNvPr>
+          <p:cNvSpPr txBox="1"/>
+          <p:nvPr/>
+        </p:nvSpPr>
+        <p:spPr>
+          <a:xfrm>
+            <a:off x="6489290" y="3325129"/>
+            <a:ext cx="2112922" cy="707886"/>
+          </a:xfrm>
+          <a:prstGeom prst="rect">
+            <a:avLst/>
+          </a:prstGeom>
+          <a:noFill/>
+        </p:spPr>
+        <p:txBody>
+          <a:bodyPr wrap="square" rtlCol="0">
+            <a:spAutoFit/>
+          </a:bodyPr>
+          <a:lstStyle/>
+          <a:p>
+            <a:r>
+              <a:rPr lang="en-US" sz="2000" dirty="0">
+                <a:latin typeface="Calibri" panose="020F0502020204030204" pitchFamily="34" charset="0"/>
+                <a:cs typeface="Calibri" panose="020F0502020204030204" pitchFamily="34" charset="0"/>
+              </a:rPr>
+              <a:t>libraries identified by </a:t>
+            </a:r>
+            <a:r>
+              <a:rPr lang="en-US" sz="2000" i="1" dirty="0" err="1">
+                <a:latin typeface="Calibri" panose="020F0502020204030204" pitchFamily="34" charset="0"/>
+                <a:cs typeface="Calibri" panose="020F0502020204030204" pitchFamily="34" charset="0"/>
+              </a:rPr>
+              <a:t>ldd</a:t>
+            </a:r>
+            <a:endParaRPr lang="en-GB" sz="2000" dirty="0">
+              <a:latin typeface="Calibri" panose="020F0502020204030204" pitchFamily="34" charset="0"/>
+              <a:cs typeface="Calibri" panose="020F0502020204030204" pitchFamily="34" charset="0"/>
+            </a:endParaRPr>
+          </a:p>
+        </p:txBody>
+      </p:sp>
+      <p:sp>
+        <p:nvSpPr>
+          <p:cNvPr id="24" name="Rectangle 23">
+            <a:extLst>
+              <a:ext uri="{FF2B5EF4-FFF2-40B4-BE49-F238E27FC236}">
+                <a16:creationId xmlns:a16="http://schemas.microsoft.com/office/drawing/2014/main" id="{6DE3C793-D474-0C47-94BF-CC416E3C7EA1}"/>
+              </a:ext>
+            </a:extLst>
+          </p:cNvPr>
+          <p:cNvSpPr/>
+          <p:nvPr/>
+        </p:nvSpPr>
+        <p:spPr>
+          <a:xfrm>
+            <a:off x="457200" y="5148470"/>
+            <a:ext cx="3524865" cy="573904"/>
+          </a:xfrm>
+          <a:prstGeom prst="rect">
+            <a:avLst/>
+          </a:prstGeom>
+          <a:noFill/>
+          <a:ln>
+            <a:solidFill>
+              <a:srgbClr val="FF0000"/>
+            </a:solidFill>
+          </a:ln>
+        </p:spPr>
+        <p:style>
+          <a:lnRef idx="2">
+            <a:schemeClr val="accent1">
+              <a:shade val="15000"/>
+            </a:schemeClr>
+          </a:lnRef>
+          <a:fillRef idx="1">
+            <a:schemeClr val="accent1"/>
+          </a:fillRef>
+          <a:effectRef idx="0">
+            <a:schemeClr val="accent1"/>
+          </a:effectRef>
+          <a:fontRef idx="minor">
+            <a:schemeClr val="lt1"/>
+          </a:fontRef>
+        </p:style>
+        <p:txBody>
+          <a:bodyPr rtlCol="0" anchor="ctr"/>
+          <a:lstStyle/>
+          <a:p>
+            <a:pPr algn="ctr"/>
+            <a:endParaRPr lang="en-GB"/>
+          </a:p>
+        </p:txBody>
+      </p:sp>
+      <p:cxnSp>
+        <p:nvCxnSpPr>
+          <p:cNvPr id="26" name="Straight Arrow Connector 25">
+            <a:extLst>
+              <a:ext uri="{FF2B5EF4-FFF2-40B4-BE49-F238E27FC236}">
+                <a16:creationId xmlns:a16="http://schemas.microsoft.com/office/drawing/2014/main" id="{21931767-3272-937E-7B1D-AB8D739BFD43}"/>
+              </a:ext>
+            </a:extLst>
+          </p:cNvPr>
+          <p:cNvCxnSpPr>
+            <a:cxnSpLocks/>
+            <a:stCxn id="24" idx="3"/>
+          </p:cNvCxnSpPr>
+          <p:nvPr/>
+        </p:nvCxnSpPr>
+        <p:spPr>
+          <a:xfrm flipV="1">
+            <a:off x="3982065" y="5426765"/>
+            <a:ext cx="2507225" cy="8657"/>
+          </a:xfrm>
+          <a:prstGeom prst="straightConnector1">
+            <a:avLst/>
+          </a:prstGeom>
+          <a:ln w="38100">
+            <a:solidFill>
+              <a:srgbClr val="FF0000"/>
+            </a:solidFill>
+            <a:tailEnd type="triangle"/>
+          </a:ln>
+        </p:spPr>
+        <p:style>
+          <a:lnRef idx="1">
+            <a:schemeClr val="accent1"/>
+          </a:lnRef>
+          <a:fillRef idx="0">
+            <a:schemeClr val="accent1"/>
+          </a:fillRef>
+          <a:effectRef idx="0">
+            <a:schemeClr val="accent1"/>
+          </a:effectRef>
+          <a:fontRef idx="minor">
+            <a:schemeClr val="tx1"/>
+          </a:fontRef>
+        </p:style>
+      </p:cxnSp>
+      <p:sp>
+        <p:nvSpPr>
+          <p:cNvPr id="28" name="TextBox 27">
+            <a:extLst>
+              <a:ext uri="{FF2B5EF4-FFF2-40B4-BE49-F238E27FC236}">
+                <a16:creationId xmlns:a16="http://schemas.microsoft.com/office/drawing/2014/main" id="{3756511B-9BE7-A78B-875A-E2A8D1DD9A1F}"/>
+              </a:ext>
+            </a:extLst>
+          </p:cNvPr>
+          <p:cNvSpPr txBox="1"/>
+          <p:nvPr/>
+        </p:nvSpPr>
+        <p:spPr>
+          <a:xfrm>
+            <a:off x="6489290" y="4927590"/>
+            <a:ext cx="2327284" cy="1015663"/>
+          </a:xfrm>
+          <a:prstGeom prst="rect">
+            <a:avLst/>
+          </a:prstGeom>
+          <a:noFill/>
+        </p:spPr>
+        <p:txBody>
+          <a:bodyPr wrap="square" rtlCol="0">
+            <a:spAutoFit/>
+          </a:bodyPr>
+          <a:lstStyle/>
+          <a:p>
+            <a:r>
+              <a:rPr lang="en-US" sz="2000" dirty="0">
+                <a:latin typeface="Calibri" panose="020F0502020204030204" pitchFamily="34" charset="0"/>
+                <a:cs typeface="Calibri" panose="020F0502020204030204" pitchFamily="34" charset="0"/>
+              </a:rPr>
+              <a:t>other files needed by the app found by </a:t>
+            </a:r>
+            <a:r>
+              <a:rPr lang="en-US" sz="2000" i="1" dirty="0" err="1">
+                <a:latin typeface="Calibri" panose="020F0502020204030204" pitchFamily="34" charset="0"/>
+                <a:cs typeface="Calibri" panose="020F0502020204030204" pitchFamily="34" charset="0"/>
+              </a:rPr>
+              <a:t>strace</a:t>
+            </a:r>
+            <a:r>
+              <a:rPr lang="en-US" sz="2000" dirty="0">
+                <a:latin typeface="Calibri" panose="020F0502020204030204" pitchFamily="34" charset="0"/>
+                <a:cs typeface="Calibri" panose="020F0502020204030204" pitchFamily="34" charset="0"/>
+              </a:rPr>
+              <a:t> </a:t>
+            </a:r>
+            <a:endParaRPr lang="en-GB" sz="2000" dirty="0">
+              <a:latin typeface="Calibri" panose="020F0502020204030204" pitchFamily="34" charset="0"/>
+              <a:cs typeface="Calibri" panose="020F0502020204030204" pitchFamily="34" charset="0"/>
+            </a:endParaRPr>
+          </a:p>
+        </p:txBody>
+      </p:sp>
+    </p:spTree>
+    <p:extLst>
+      <p:ext uri="{BB962C8B-B14F-4D97-AF65-F5344CB8AC3E}">
+        <p14:creationId xmlns:p14="http://schemas.microsoft.com/office/powerpoint/2010/main" val="1728020014"/>
+      </p:ext>
+    </p:extLst>
+  </p:cSld>
+  <p:clrMapOvr>
+    <a:masterClrMapping/>
+  </p:clrMapOvr>
+  <p:timing>
+    <p:tnLst>
+      <p:par>
+        <p:cTn id="1" dur="indefinite" restart="never" nodeType="tmRoot">
+          <p:childTnLst>
+            <p:seq concurrent="1" nextAc="seek">
+              <p:cTn id="2" dur="indefinite" nodeType="mainSeq">
+                <p:childTnLst>
+                  <p:par>
+                    <p:cTn id="3" fill="hold">
+                      <p:stCondLst>
+                        <p:cond delay="indefinite"/>
+                      </p:stCondLst>
+                      <p:childTnLst>
+                        <p:par>
+                          <p:cTn id="4" fill="hold">
+                            <p:stCondLst>
+                              <p:cond delay="0"/>
+                            </p:stCondLst>
+                            <p:childTnLst>
+                              <p:par>
+                                <p:cTn id="5" presetID="1" presetClass="entr" presetSubtype="0" fill="hold" grpId="0" nodeType="clickEffect">
+                                  <p:stCondLst>
+                                    <p:cond delay="0"/>
+                                  </p:stCondLst>
+                                  <p:childTnLst>
+                                    <p:set>
+                                      <p:cBhvr>
+                                        <p:cTn id="6" dur="1" fill="hold">
+                                          <p:stCondLst>
+                                            <p:cond delay="0"/>
+                                          </p:stCondLst>
+                                        </p:cTn>
+                                        <p:tgtEl>
+                                          <p:spTgt spid="18"/>
+                                        </p:tgtEl>
+                                        <p:attrNameLst>
+                                          <p:attrName>style.visibility</p:attrName>
+                                        </p:attrNameLst>
+                                      </p:cBhvr>
+                                      <p:to>
+                                        <p:strVal val="visible"/>
+                                      </p:to>
+                                    </p:set>
+                                  </p:childTnLst>
+                                </p:cTn>
+                              </p:par>
+                              <p:par>
+                                <p:cTn id="7" presetID="1" presetClass="entr" presetSubtype="0" fill="hold" nodeType="withEffect">
+                                  <p:stCondLst>
+                                    <p:cond delay="0"/>
+                                  </p:stCondLst>
+                                  <p:childTnLst>
+                                    <p:set>
+                                      <p:cBhvr>
+                                        <p:cTn id="8" dur="1" fill="hold">
+                                          <p:stCondLst>
+                                            <p:cond delay="0"/>
+                                          </p:stCondLst>
+                                        </p:cTn>
+                                        <p:tgtEl>
+                                          <p:spTgt spid="22"/>
+                                        </p:tgtEl>
+                                        <p:attrNameLst>
+                                          <p:attrName>style.visibility</p:attrName>
+                                        </p:attrNameLst>
+                                      </p:cBhvr>
+                                      <p:to>
+                                        <p:strVal val="visible"/>
+                                      </p:to>
+                                    </p:set>
+                                  </p:childTnLst>
+                                </p:cTn>
+                              </p:par>
+                              <p:par>
+                                <p:cTn id="9" presetID="1" presetClass="entr" presetSubtype="0" fill="hold" grpId="0" nodeType="withEffect">
+                                  <p:stCondLst>
+                                    <p:cond delay="0"/>
+                                  </p:stCondLst>
+                                  <p:childTnLst>
+                                    <p:set>
+                                      <p:cBhvr>
+                                        <p:cTn id="10" dur="1" fill="hold">
+                                          <p:stCondLst>
+                                            <p:cond delay="0"/>
+                                          </p:stCondLst>
+                                        </p:cTn>
+                                        <p:tgtEl>
+                                          <p:spTgt spid="23"/>
+                                        </p:tgtEl>
+                                        <p:attrNameLst>
+                                          <p:attrName>style.visibility</p:attrName>
+                                        </p:attrNameLst>
+                                      </p:cBhvr>
+                                      <p:to>
+                                        <p:strVal val="visible"/>
+                                      </p:to>
+                                    </p:set>
+                                  </p:childTnLst>
+                                </p:cTn>
+                              </p:par>
+                            </p:childTnLst>
+                          </p:cTn>
+                        </p:par>
+                      </p:childTnLst>
+                    </p:cTn>
+                  </p:par>
+                  <p:par>
+                    <p:cTn id="11" fill="hold">
+                      <p:stCondLst>
+                        <p:cond delay="indefinite"/>
+                      </p:stCondLst>
+                      <p:childTnLst>
+                        <p:par>
+                          <p:cTn id="12" fill="hold">
+                            <p:stCondLst>
+                              <p:cond delay="0"/>
+                            </p:stCondLst>
+                            <p:childTnLst>
+                              <p:par>
+                                <p:cTn id="13" presetID="1" presetClass="entr" presetSubtype="0" fill="hold" grpId="0" nodeType="clickEffect">
+                                  <p:stCondLst>
+                                    <p:cond delay="0"/>
+                                  </p:stCondLst>
+                                  <p:childTnLst>
+                                    <p:set>
+                                      <p:cBhvr>
+                                        <p:cTn id="14" dur="1" fill="hold">
+                                          <p:stCondLst>
+                                            <p:cond delay="0"/>
+                                          </p:stCondLst>
+                                        </p:cTn>
+                                        <p:tgtEl>
+                                          <p:spTgt spid="24"/>
+                                        </p:tgtEl>
+                                        <p:attrNameLst>
+                                          <p:attrName>style.visibility</p:attrName>
+                                        </p:attrNameLst>
+                                      </p:cBhvr>
+                                      <p:to>
+                                        <p:strVal val="visible"/>
+                                      </p:to>
+                                    </p:set>
+                                  </p:childTnLst>
+                                </p:cTn>
+                              </p:par>
+                              <p:par>
+                                <p:cTn id="15" presetID="1" presetClass="entr" presetSubtype="0" fill="hold" nodeType="withEffect">
+                                  <p:stCondLst>
+                                    <p:cond delay="0"/>
+                                  </p:stCondLst>
+                                  <p:childTnLst>
+                                    <p:set>
+                                      <p:cBhvr>
+                                        <p:cTn id="16" dur="1" fill="hold">
+                                          <p:stCondLst>
+                                            <p:cond delay="0"/>
+                                          </p:stCondLst>
+                                        </p:cTn>
+                                        <p:tgtEl>
+                                          <p:spTgt spid="26"/>
+                                        </p:tgtEl>
+                                        <p:attrNameLst>
+                                          <p:attrName>style.visibility</p:attrName>
+                                        </p:attrNameLst>
+                                      </p:cBhvr>
+                                      <p:to>
+                                        <p:strVal val="visible"/>
+                                      </p:to>
+                                    </p:set>
+                                  </p:childTnLst>
+                                </p:cTn>
+                              </p:par>
+                              <p:par>
+                                <p:cTn id="17" presetID="1" presetClass="entr" presetSubtype="0" fill="hold" grpId="0" nodeType="withEffect">
+                                  <p:stCondLst>
+                                    <p:cond delay="0"/>
+                                  </p:stCondLst>
+                                  <p:childTnLst>
+                                    <p:set>
+                                      <p:cBhvr>
+                                        <p:cTn id="18" dur="1" fill="hold">
+                                          <p:stCondLst>
+                                            <p:cond delay="0"/>
+                                          </p:stCondLst>
+                                        </p:cTn>
+                                        <p:tgtEl>
+                                          <p:spTgt spid="28"/>
+                                        </p:tgtEl>
+                                        <p:attrNameLst>
+                                          <p:attrName>style.visibility</p:attrName>
+                                        </p:attrNameLst>
+                                      </p:cBhvr>
+                                      <p:to>
+                                        <p:strVal val="visible"/>
+                                      </p:to>
+                                    </p:set>
+                                  </p:childTnLst>
+                                </p:cTn>
+                              </p:par>
+                            </p:childTnLst>
+                          </p:cTn>
+                        </p:par>
+                      </p:childTnLst>
+                    </p:cTn>
+                  </p:par>
+                </p:childTnLst>
+              </p:cTn>
+              <p:prevCondLst>
+                <p:cond evt="onPrev" delay="0">
+                  <p:tgtEl>
+                    <p:sldTgt/>
+                  </p:tgtEl>
+                </p:cond>
+              </p:prevCondLst>
+              <p:nextCondLst>
+                <p:cond evt="onNext" delay="0">
+                  <p:tgtEl>
+                    <p:sldTgt/>
+                  </p:tgtEl>
+                </p:cond>
+              </p:nextCondLst>
+            </p:seq>
+          </p:childTnLst>
+        </p:cTn>
+      </p:par>
+    </p:tnLst>
+    <p:bldLst>
+      <p:bldP spid="18" grpId="0" animBg="1"/>
+      <p:bldP spid="23" grpId="0"/>
+      <p:bldP spid="24" grpId="0" animBg="1"/>
+      <p:bldP spid="28" grpId="0"/>
+    </p:bldLst>
+  </p:timing>
+</p:sld>
+</file>
+
+<file path=ppt/slides/slide11.xml><?xml version="1.0" encoding="utf-8"?>
+<p:sld xmlns:a="http://schemas.openxmlformats.org/drawingml/2006/main" xmlns:r="http://schemas.openxmlformats.org/officeDocument/2006/relationships" xmlns:p="http://schemas.openxmlformats.org/presentationml/2006/main">
+  <p:cSld>
+    <p:spTree>
+      <p:nvGrpSpPr>
+        <p:cNvPr id="1" name="Shape 128"/>
+        <p:cNvGrpSpPr/>
+        <p:nvPr/>
+      </p:nvGrpSpPr>
+      <p:grpSpPr>
+        <a:xfrm>
+          <a:off x="0" y="0"/>
+          <a:ext cx="0" cy="0"/>
+          <a:chOff x="0" y="0"/>
+          <a:chExt cx="0" cy="0"/>
+        </a:xfrm>
+      </p:grpSpPr>
+      <p:sp>
+        <p:nvSpPr>
+          <p:cNvPr id="129" name="Google Shape;129;p21"/>
+          <p:cNvSpPr txBox="1">
+            <a:spLocks noGrp="1"/>
+          </p:cNvSpPr>
+          <p:nvPr>
+            <p:ph type="title"/>
+          </p:nvPr>
+        </p:nvSpPr>
+        <p:spPr>
+          <a:xfrm>
+            <a:off x="1214414" y="131762"/>
+            <a:ext cx="7472400" cy="868200"/>
+          </a:xfrm>
+          <a:prstGeom prst="rect">
+            <a:avLst/>
+          </a:prstGeom>
+        </p:spPr>
+        <p:txBody>
+          <a:bodyPr spcFirstLastPara="1" wrap="square" lIns="91425" tIns="45700" rIns="91425" bIns="45700" anchor="ctr" anchorCtr="0">
+            <a:noAutofit/>
+          </a:bodyPr>
+          <a:lstStyle/>
+          <a:p>
+            <a:pPr marL="0" lvl="0" indent="0" algn="r" rtl="0">
+              <a:spcBef>
+                <a:spcPts val="0"/>
+              </a:spcBef>
+              <a:spcAft>
+                <a:spcPts val="0"/>
+              </a:spcAft>
+              <a:buNone/>
+            </a:pPr>
+            <a:r>
+              <a:rPr lang="en-GB"/>
+              <a:t>Architecture</a:t>
+            </a:r>
+            <a:endParaRPr/>
+          </a:p>
+        </p:txBody>
+      </p:sp>
+      <p:sp>
+        <p:nvSpPr>
+          <p:cNvPr id="130" name="Google Shape;130;p21"/>
+          <p:cNvSpPr txBox="1">
+            <a:spLocks noGrp="1"/>
+          </p:cNvSpPr>
+          <p:nvPr>
+            <p:ph type="sldNum" idx="12"/>
+          </p:nvPr>
+        </p:nvSpPr>
+        <p:spPr>
+          <a:xfrm>
+            <a:off x="7786687" y="6500812"/>
+            <a:ext cx="900000" cy="220800"/>
+          </a:xfrm>
+          <a:prstGeom prst="rect">
+            <a:avLst/>
+          </a:prstGeom>
+        </p:spPr>
+        <p:txBody>
+          <a:bodyPr spcFirstLastPara="1" wrap="square" lIns="91425" tIns="45700" rIns="91425" bIns="45700" anchor="ctr" anchorCtr="0">
+            <a:noAutofit/>
+          </a:bodyPr>
+          <a:lstStyle/>
+          <a:p>
+            <a:pPr marL="0" lvl="0" indent="0" algn="r" rtl="0">
+              <a:spcBef>
+                <a:spcPts val="0"/>
+              </a:spcBef>
+              <a:spcAft>
+                <a:spcPts val="0"/>
+              </a:spcAft>
+              <a:buClr>
+                <a:srgbClr val="898989"/>
+              </a:buClr>
+              <a:buSzPts val="1200"/>
+              <a:buFont typeface="Calibri"/>
+              <a:buNone/>
+            </a:pPr>
+            <a:fld id="{00000000-1234-1234-1234-123412341234}" type="slidenum">
+              <a:rPr lang="en-GB"/>
+              <a:t>11</a:t>
+            </a:fld>
+            <a:endParaRPr/>
+          </a:p>
+        </p:txBody>
+      </p:sp>
+      <p:pic>
+        <p:nvPicPr>
+          <p:cNvPr id="3" name="Picture 2" descr="A group of arrows and symbols&#10;&#10;AI-generated content may be incorrect.">
+            <a:extLst>
+              <a:ext uri="{FF2B5EF4-FFF2-40B4-BE49-F238E27FC236}">
+                <a16:creationId xmlns:a16="http://schemas.microsoft.com/office/drawing/2014/main" id="{390634CC-0674-847D-72AB-556DCBCA3D2A}"/>
+              </a:ext>
+            </a:extLst>
+          </p:cNvPr>
+          <p:cNvPicPr>
+            <a:picLocks noChangeAspect="1"/>
+          </p:cNvPicPr>
+          <p:nvPr/>
+        </p:nvPicPr>
+        <p:blipFill>
+          <a:blip r:embed="rId3"/>
+          <a:stretch>
+            <a:fillRect/>
+          </a:stretch>
+        </p:blipFill>
+        <p:spPr>
+          <a:xfrm>
+            <a:off x="0" y="2131695"/>
+            <a:ext cx="9144000" cy="2594610"/>
+          </a:xfrm>
+          <a:prstGeom prst="rect">
+            <a:avLst/>
+          </a:prstGeom>
+        </p:spPr>
+      </p:pic>
+      <p:sp>
+        <p:nvSpPr>
+          <p:cNvPr id="4" name="TextBox 3">
+            <a:extLst>
+              <a:ext uri="{FF2B5EF4-FFF2-40B4-BE49-F238E27FC236}">
+                <a16:creationId xmlns:a16="http://schemas.microsoft.com/office/drawing/2014/main" id="{12C65F8C-965F-7AB2-C3BE-D2E9181557FC}"/>
+              </a:ext>
+            </a:extLst>
+          </p:cNvPr>
+          <p:cNvSpPr txBox="1"/>
+          <p:nvPr/>
+        </p:nvSpPr>
+        <p:spPr>
+          <a:xfrm>
+            <a:off x="1976284" y="5112774"/>
+            <a:ext cx="4712751" cy="523220"/>
+          </a:xfrm>
+          <a:prstGeom prst="rect">
+            <a:avLst/>
+          </a:prstGeom>
+          <a:noFill/>
+        </p:spPr>
+        <p:txBody>
+          <a:bodyPr wrap="square" rtlCol="0">
+            <a:spAutoFit/>
+          </a:bodyPr>
+          <a:lstStyle/>
+          <a:p>
+            <a:pPr algn="ctr"/>
+            <a:r>
+              <a:rPr lang="en-GB" dirty="0">
+                <a:latin typeface="Calibri" panose="020F0502020204030204" pitchFamily="34" charset="0"/>
+                <a:cs typeface="Calibri" panose="020F0502020204030204" pitchFamily="34" charset="0"/>
+              </a:rPr>
+              <a:t>High-level architecture of the application</a:t>
+            </a:r>
+          </a:p>
+          <a:p>
+            <a:endParaRPr lang="en-GB" dirty="0"/>
+          </a:p>
+        </p:txBody>
+      </p:sp>
+    </p:spTree>
+  </p:cSld>
+  <p:clrMapOvr>
+    <a:masterClrMapping/>
+  </p:clrMapOvr>
+</p:sld>
+</file>
+
+<file path=ppt/slides/slide12.xml><?xml version="1.0" encoding="utf-8"?>
+<p:sld xmlns:a="http://schemas.openxmlformats.org/drawingml/2006/main" xmlns:r="http://schemas.openxmlformats.org/officeDocument/2006/relationships" xmlns:p="http://schemas.openxmlformats.org/presentationml/2006/main">
+  <p:cSld>
+    <p:spTree>
+      <p:nvGrpSpPr>
+        <p:cNvPr id="1" name="Shape 135"/>
+        <p:cNvGrpSpPr/>
+        <p:nvPr/>
+      </p:nvGrpSpPr>
+      <p:grpSpPr>
+        <a:xfrm>
+          <a:off x="0" y="0"/>
+          <a:ext cx="0" cy="0"/>
+          <a:chOff x="0" y="0"/>
+          <a:chExt cx="0" cy="0"/>
+        </a:xfrm>
+      </p:grpSpPr>
+      <p:sp>
+        <p:nvSpPr>
+          <p:cNvPr id="136" name="Google Shape;136;p22"/>
+          <p:cNvSpPr txBox="1">
+            <a:spLocks noGrp="1"/>
+          </p:cNvSpPr>
+          <p:nvPr>
+            <p:ph type="title"/>
+          </p:nvPr>
+        </p:nvSpPr>
+        <p:spPr>
+          <a:xfrm>
+            <a:off x="1214414" y="131762"/>
+            <a:ext cx="7472400" cy="868200"/>
+          </a:xfrm>
+          <a:prstGeom prst="rect">
+            <a:avLst/>
+          </a:prstGeom>
+        </p:spPr>
+        <p:txBody>
+          <a:bodyPr spcFirstLastPara="1" wrap="square" lIns="91425" tIns="45700" rIns="91425" bIns="45700" anchor="ctr" anchorCtr="0">
+            <a:noAutofit/>
+          </a:bodyPr>
+          <a:lstStyle/>
+          <a:p>
+            <a:pPr marL="0" lvl="0" indent="0" algn="r" rtl="0">
+              <a:spcBef>
+                <a:spcPts val="0"/>
+              </a:spcBef>
+              <a:spcAft>
+                <a:spcPts val="0"/>
+              </a:spcAft>
+              <a:buNone/>
+            </a:pPr>
+            <a:r>
+              <a:rPr lang="en-GB" dirty="0"/>
+              <a:t>Status and Future Work</a:t>
+            </a:r>
+            <a:endParaRPr dirty="0"/>
+          </a:p>
+        </p:txBody>
+      </p:sp>
+      <p:sp>
+        <p:nvSpPr>
+          <p:cNvPr id="138" name="Google Shape;138;p22"/>
+          <p:cNvSpPr txBox="1">
+            <a:spLocks noGrp="1"/>
+          </p:cNvSpPr>
+          <p:nvPr>
+            <p:ph type="sldNum" idx="12"/>
+          </p:nvPr>
+        </p:nvSpPr>
+        <p:spPr>
+          <a:xfrm>
+            <a:off x="7786687" y="6500812"/>
+            <a:ext cx="900000" cy="220800"/>
+          </a:xfrm>
+          <a:prstGeom prst="rect">
+            <a:avLst/>
+          </a:prstGeom>
+        </p:spPr>
+        <p:txBody>
+          <a:bodyPr spcFirstLastPara="1" wrap="square" lIns="91425" tIns="45700" rIns="91425" bIns="45700" anchor="ctr" anchorCtr="0">
+            <a:noAutofit/>
+          </a:bodyPr>
+          <a:lstStyle/>
+          <a:p>
+            <a:pPr marL="0" lvl="0" indent="0" algn="r" rtl="0">
+              <a:spcBef>
+                <a:spcPts val="0"/>
+              </a:spcBef>
+              <a:spcAft>
+                <a:spcPts val="0"/>
+              </a:spcAft>
+              <a:buClr>
+                <a:srgbClr val="898989"/>
+              </a:buClr>
+              <a:buSzPts val="1200"/>
+              <a:buFont typeface="Calibri"/>
+              <a:buNone/>
+            </a:pPr>
+            <a:fld id="{00000000-1234-1234-1234-123412341234}" type="slidenum">
+              <a:rPr lang="en-GB"/>
+              <a:t>12</a:t>
+            </a:fld>
+            <a:endParaRPr/>
+          </a:p>
+        </p:txBody>
+      </p:sp>
+      <p:sp>
+        <p:nvSpPr>
+          <p:cNvPr id="3" name="Rectangle 2">
+            <a:extLst>
+              <a:ext uri="{FF2B5EF4-FFF2-40B4-BE49-F238E27FC236}">
+                <a16:creationId xmlns:a16="http://schemas.microsoft.com/office/drawing/2014/main" id="{FD9416CF-CF56-728B-063F-FD6A3ECF80CA}"/>
+              </a:ext>
+            </a:extLst>
+          </p:cNvPr>
+          <p:cNvSpPr/>
+          <p:nvPr/>
+        </p:nvSpPr>
+        <p:spPr>
+          <a:xfrm>
+            <a:off x="516835" y="1406013"/>
+            <a:ext cx="8284102" cy="868200"/>
+          </a:xfrm>
+          <a:prstGeom prst="rect">
+            <a:avLst/>
+          </a:prstGeom>
+          <a:solidFill>
+            <a:schemeClr val="accent1">
+              <a:lumMod val="40000"/>
+              <a:lumOff val="60000"/>
+            </a:schemeClr>
+          </a:solidFill>
+        </p:spPr>
+        <p:style>
+          <a:lnRef idx="2">
+            <a:schemeClr val="accent1">
+              <a:shade val="15000"/>
+            </a:schemeClr>
+          </a:lnRef>
+          <a:fillRef idx="1">
+            <a:schemeClr val="accent1"/>
+          </a:fillRef>
+          <a:effectRef idx="0">
+            <a:schemeClr val="accent1"/>
+          </a:effectRef>
+          <a:fontRef idx="minor">
+            <a:schemeClr val="lt1"/>
+          </a:fontRef>
+        </p:style>
+        <p:txBody>
+          <a:bodyPr rtlCol="0" anchor="ctr"/>
+          <a:lstStyle/>
+          <a:p>
+            <a:pPr algn="ctr"/>
+            <a:r>
+              <a:rPr lang="en-US" sz="3600" b="1" dirty="0">
+                <a:solidFill>
+                  <a:schemeClr val="bg2"/>
+                </a:solidFill>
+                <a:latin typeface="Calibri" panose="020F0502020204030204" pitchFamily="34" charset="0"/>
+                <a:cs typeface="Calibri" panose="020F0502020204030204" pitchFamily="34" charset="0"/>
+              </a:rPr>
+              <a:t>ROADMAP</a:t>
+            </a:r>
+            <a:endParaRPr lang="en-GB" sz="3600" b="1" dirty="0">
+              <a:solidFill>
+                <a:schemeClr val="bg2"/>
+              </a:solidFill>
+              <a:latin typeface="Calibri" panose="020F0502020204030204" pitchFamily="34" charset="0"/>
+              <a:cs typeface="Calibri" panose="020F0502020204030204" pitchFamily="34" charset="0"/>
+            </a:endParaRPr>
+          </a:p>
+        </p:txBody>
+      </p:sp>
+      <p:sp>
+        <p:nvSpPr>
+          <p:cNvPr id="4" name="Arrow: Chevron 3">
+            <a:extLst>
+              <a:ext uri="{FF2B5EF4-FFF2-40B4-BE49-F238E27FC236}">
+                <a16:creationId xmlns:a16="http://schemas.microsoft.com/office/drawing/2014/main" id="{AFF13DAB-DDFD-4846-4711-6A734AF14CCF}"/>
+              </a:ext>
+            </a:extLst>
+          </p:cNvPr>
+          <p:cNvSpPr/>
+          <p:nvPr/>
+        </p:nvSpPr>
+        <p:spPr>
+          <a:xfrm>
+            <a:off x="516835" y="2555261"/>
+            <a:ext cx="1610139" cy="1116000"/>
+          </a:xfrm>
+          <a:prstGeom prst="chevron">
+            <a:avLst/>
+          </a:prstGeom>
+        </p:spPr>
+        <p:style>
+          <a:lnRef idx="2">
+            <a:schemeClr val="accent1">
+              <a:shade val="15000"/>
+            </a:schemeClr>
+          </a:lnRef>
+          <a:fillRef idx="1">
+            <a:schemeClr val="accent1"/>
+          </a:fillRef>
+          <a:effectRef idx="0">
+            <a:schemeClr val="accent1"/>
+          </a:effectRef>
+          <a:fontRef idx="minor">
+            <a:schemeClr val="lt1"/>
+          </a:fontRef>
+        </p:style>
+        <p:txBody>
+          <a:bodyPr rtlCol="0" anchor="ctr"/>
+          <a:lstStyle/>
+          <a:p>
+            <a:pPr algn="ctr"/>
+            <a:endParaRPr lang="en-GB" sz="1200" dirty="0">
+              <a:solidFill>
+                <a:schemeClr val="bg1"/>
+              </a:solidFill>
+              <a:latin typeface="Calibri" panose="020F0502020204030204" pitchFamily="34" charset="0"/>
+              <a:cs typeface="Calibri" panose="020F0502020204030204" pitchFamily="34" charset="0"/>
+            </a:endParaRPr>
+          </a:p>
+        </p:txBody>
+      </p:sp>
+      <p:sp>
+        <p:nvSpPr>
+          <p:cNvPr id="8" name="Arrow: Chevron 7">
+            <a:extLst>
+              <a:ext uri="{FF2B5EF4-FFF2-40B4-BE49-F238E27FC236}">
+                <a16:creationId xmlns:a16="http://schemas.microsoft.com/office/drawing/2014/main" id="{15FF2089-8048-109B-C963-2A93D6E6E1C5}"/>
+              </a:ext>
+            </a:extLst>
+          </p:cNvPr>
+          <p:cNvSpPr/>
+          <p:nvPr/>
+        </p:nvSpPr>
+        <p:spPr>
+          <a:xfrm>
+            <a:off x="2185326" y="2555261"/>
+            <a:ext cx="1610139" cy="1116000"/>
+          </a:xfrm>
+          <a:prstGeom prst="chevron">
+            <a:avLst/>
+          </a:prstGeom>
+        </p:spPr>
+        <p:style>
+          <a:lnRef idx="2">
+            <a:schemeClr val="accent1">
+              <a:shade val="15000"/>
+            </a:schemeClr>
+          </a:lnRef>
+          <a:fillRef idx="1">
+            <a:schemeClr val="accent1"/>
+          </a:fillRef>
+          <a:effectRef idx="0">
+            <a:schemeClr val="accent1"/>
+          </a:effectRef>
+          <a:fontRef idx="minor">
+            <a:schemeClr val="lt1"/>
+          </a:fontRef>
+        </p:style>
+        <p:txBody>
+          <a:bodyPr rtlCol="0" anchor="ctr"/>
+          <a:lstStyle/>
+          <a:p>
+            <a:pPr algn="ctr"/>
+            <a:endParaRPr lang="en-GB" dirty="0">
+              <a:solidFill>
+                <a:schemeClr val="bg1"/>
+              </a:solidFill>
+              <a:latin typeface="Calibri" panose="020F0502020204030204" pitchFamily="34" charset="0"/>
+              <a:cs typeface="Calibri" panose="020F0502020204030204" pitchFamily="34" charset="0"/>
+            </a:endParaRPr>
+          </a:p>
+        </p:txBody>
+      </p:sp>
+      <p:sp>
+        <p:nvSpPr>
+          <p:cNvPr id="9" name="Arrow: Chevron 8">
+            <a:extLst>
+              <a:ext uri="{FF2B5EF4-FFF2-40B4-BE49-F238E27FC236}">
+                <a16:creationId xmlns:a16="http://schemas.microsoft.com/office/drawing/2014/main" id="{E52B6645-494C-8C49-FA80-F17EF9408140}"/>
+              </a:ext>
+            </a:extLst>
+          </p:cNvPr>
+          <p:cNvSpPr/>
+          <p:nvPr/>
+        </p:nvSpPr>
+        <p:spPr>
+          <a:xfrm>
+            <a:off x="3853816" y="2555261"/>
+            <a:ext cx="1610139" cy="1116000"/>
+          </a:xfrm>
+          <a:prstGeom prst="chevron">
+            <a:avLst/>
+          </a:prstGeom>
+        </p:spPr>
+        <p:style>
+          <a:lnRef idx="2">
+            <a:schemeClr val="accent1">
+              <a:shade val="15000"/>
+            </a:schemeClr>
+          </a:lnRef>
+          <a:fillRef idx="1">
+            <a:schemeClr val="accent1"/>
+          </a:fillRef>
+          <a:effectRef idx="0">
+            <a:schemeClr val="accent1"/>
+          </a:effectRef>
+          <a:fontRef idx="minor">
+            <a:schemeClr val="lt1"/>
+          </a:fontRef>
+        </p:style>
+        <p:txBody>
+          <a:bodyPr rtlCol="0" anchor="ctr"/>
+          <a:lstStyle/>
+          <a:p>
+            <a:pPr algn="ctr"/>
+            <a:endParaRPr lang="en-GB" sz="1200" dirty="0">
+              <a:solidFill>
+                <a:schemeClr val="bg1"/>
+              </a:solidFill>
+              <a:latin typeface="Calibri" panose="020F0502020204030204" pitchFamily="34" charset="0"/>
+              <a:cs typeface="Calibri" panose="020F0502020204030204" pitchFamily="34" charset="0"/>
+            </a:endParaRPr>
+          </a:p>
+        </p:txBody>
+      </p:sp>
+      <p:sp>
+        <p:nvSpPr>
+          <p:cNvPr id="10" name="Arrow: Chevron 9">
+            <a:extLst>
+              <a:ext uri="{FF2B5EF4-FFF2-40B4-BE49-F238E27FC236}">
+                <a16:creationId xmlns:a16="http://schemas.microsoft.com/office/drawing/2014/main" id="{B34E72DD-A7AE-ED89-E1A1-C6073FC380CA}"/>
+              </a:ext>
+            </a:extLst>
+          </p:cNvPr>
+          <p:cNvSpPr/>
+          <p:nvPr/>
+        </p:nvSpPr>
+        <p:spPr>
+          <a:xfrm>
+            <a:off x="5522308" y="2555261"/>
+            <a:ext cx="1610139" cy="1116000"/>
+          </a:xfrm>
+          <a:prstGeom prst="chevron">
+            <a:avLst/>
+          </a:prstGeom>
+        </p:spPr>
+        <p:style>
+          <a:lnRef idx="2">
+            <a:schemeClr val="accent1">
+              <a:shade val="15000"/>
+            </a:schemeClr>
+          </a:lnRef>
+          <a:fillRef idx="1">
+            <a:schemeClr val="accent1"/>
+          </a:fillRef>
+          <a:effectRef idx="0">
+            <a:schemeClr val="accent1"/>
+          </a:effectRef>
+          <a:fontRef idx="minor">
+            <a:schemeClr val="lt1"/>
+          </a:fontRef>
+        </p:style>
+        <p:txBody>
+          <a:bodyPr rtlCol="0" anchor="ctr"/>
+          <a:lstStyle/>
+          <a:p>
+            <a:pPr algn="ctr"/>
+            <a:endParaRPr lang="en-GB" sz="1200" dirty="0">
+              <a:solidFill>
+                <a:schemeClr val="bg1"/>
+              </a:solidFill>
+              <a:latin typeface="Calibri" panose="020F0502020204030204" pitchFamily="34" charset="0"/>
+              <a:cs typeface="Calibri" panose="020F0502020204030204" pitchFamily="34" charset="0"/>
+            </a:endParaRPr>
+          </a:p>
+        </p:txBody>
+      </p:sp>
+      <p:sp>
+        <p:nvSpPr>
+          <p:cNvPr id="11" name="Arrow: Chevron 10">
+            <a:extLst>
+              <a:ext uri="{FF2B5EF4-FFF2-40B4-BE49-F238E27FC236}">
+                <a16:creationId xmlns:a16="http://schemas.microsoft.com/office/drawing/2014/main" id="{A567A26D-B895-23A2-FCEB-38B1058F4B1E}"/>
+              </a:ext>
+            </a:extLst>
+          </p:cNvPr>
+          <p:cNvSpPr/>
+          <p:nvPr/>
+        </p:nvSpPr>
+        <p:spPr>
+          <a:xfrm>
+            <a:off x="7190799" y="2555261"/>
+            <a:ext cx="1610139" cy="1116000"/>
+          </a:xfrm>
+          <a:prstGeom prst="chevron">
+            <a:avLst/>
+          </a:prstGeom>
+        </p:spPr>
+        <p:style>
+          <a:lnRef idx="2">
+            <a:schemeClr val="accent1">
+              <a:shade val="15000"/>
+            </a:schemeClr>
+          </a:lnRef>
+          <a:fillRef idx="1">
+            <a:schemeClr val="accent1"/>
+          </a:fillRef>
+          <a:effectRef idx="0">
+            <a:schemeClr val="accent1"/>
+          </a:effectRef>
+          <a:fontRef idx="minor">
+            <a:schemeClr val="lt1"/>
+          </a:fontRef>
+        </p:style>
+        <p:txBody>
+          <a:bodyPr rtlCol="0" anchor="ctr"/>
+          <a:lstStyle/>
+          <a:p>
+            <a:pPr algn="ctr"/>
+            <a:endParaRPr lang="en-GB" sz="1200" dirty="0">
+              <a:solidFill>
+                <a:schemeClr val="bg1"/>
+              </a:solidFill>
+              <a:latin typeface="Calibri" panose="020F0502020204030204" pitchFamily="34" charset="0"/>
+              <a:cs typeface="Calibri" panose="020F0502020204030204" pitchFamily="34" charset="0"/>
+            </a:endParaRPr>
+          </a:p>
+        </p:txBody>
+      </p:sp>
+      <p:sp>
+        <p:nvSpPr>
+          <p:cNvPr id="12" name="TextBox 11">
+            <a:extLst>
+              <a:ext uri="{FF2B5EF4-FFF2-40B4-BE49-F238E27FC236}">
+                <a16:creationId xmlns:a16="http://schemas.microsoft.com/office/drawing/2014/main" id="{5398BB58-EEF1-487F-941B-02070E6D0E18}"/>
+              </a:ext>
+            </a:extLst>
+          </p:cNvPr>
+          <p:cNvSpPr txBox="1"/>
+          <p:nvPr/>
+        </p:nvSpPr>
+        <p:spPr>
+          <a:xfrm>
+            <a:off x="1043609" y="2851651"/>
+            <a:ext cx="1083365" cy="523220"/>
+          </a:xfrm>
+          <a:prstGeom prst="rect">
+            <a:avLst/>
+          </a:prstGeom>
+          <a:noFill/>
+        </p:spPr>
+        <p:txBody>
+          <a:bodyPr wrap="square" rtlCol="0">
+            <a:spAutoFit/>
+          </a:bodyPr>
+          <a:lstStyle/>
+          <a:p>
+            <a:r>
+              <a:rPr lang="en-US" dirty="0">
+                <a:solidFill>
+                  <a:schemeClr val="bg1"/>
+                </a:solidFill>
+                <a:latin typeface="Calibri" panose="020F0502020204030204" pitchFamily="34" charset="0"/>
+                <a:cs typeface="Calibri" panose="020F0502020204030204" pitchFamily="34" charset="0"/>
+              </a:rPr>
+              <a:t>December - February</a:t>
+            </a:r>
+            <a:endParaRPr lang="en-GB" dirty="0">
+              <a:solidFill>
+                <a:schemeClr val="bg1"/>
+              </a:solidFill>
+              <a:latin typeface="Calibri" panose="020F0502020204030204" pitchFamily="34" charset="0"/>
+              <a:cs typeface="Calibri" panose="020F0502020204030204" pitchFamily="34" charset="0"/>
+            </a:endParaRPr>
+          </a:p>
+        </p:txBody>
+      </p:sp>
+      <p:sp>
+        <p:nvSpPr>
+          <p:cNvPr id="13" name="TextBox 12">
+            <a:extLst>
+              <a:ext uri="{FF2B5EF4-FFF2-40B4-BE49-F238E27FC236}">
+                <a16:creationId xmlns:a16="http://schemas.microsoft.com/office/drawing/2014/main" id="{664AFFEA-189E-0A3C-C4B4-9E3738F59CB2}"/>
+              </a:ext>
+            </a:extLst>
+          </p:cNvPr>
+          <p:cNvSpPr txBox="1"/>
+          <p:nvPr/>
+        </p:nvSpPr>
+        <p:spPr>
+          <a:xfrm>
+            <a:off x="2744804" y="2946943"/>
+            <a:ext cx="1415845" cy="307777"/>
+          </a:xfrm>
+          <a:prstGeom prst="rect">
+            <a:avLst/>
+          </a:prstGeom>
+          <a:noFill/>
+        </p:spPr>
+        <p:txBody>
+          <a:bodyPr wrap="square" rtlCol="0">
+            <a:spAutoFit/>
+          </a:bodyPr>
+          <a:lstStyle/>
+          <a:p>
+            <a:r>
+              <a:rPr lang="en-US" dirty="0">
+                <a:solidFill>
+                  <a:schemeClr val="bg1"/>
+                </a:solidFill>
+                <a:latin typeface="Calibri" panose="020F0502020204030204" pitchFamily="34" charset="0"/>
+                <a:cs typeface="Calibri" panose="020F0502020204030204" pitchFamily="34" charset="0"/>
+              </a:rPr>
+              <a:t>March</a:t>
+            </a:r>
+            <a:endParaRPr lang="en-GB" dirty="0">
+              <a:solidFill>
+                <a:schemeClr val="bg1"/>
+              </a:solidFill>
+              <a:latin typeface="Calibri" panose="020F0502020204030204" pitchFamily="34" charset="0"/>
+              <a:cs typeface="Calibri" panose="020F0502020204030204" pitchFamily="34" charset="0"/>
+            </a:endParaRPr>
+          </a:p>
+        </p:txBody>
+      </p:sp>
+      <p:sp>
+        <p:nvSpPr>
+          <p:cNvPr id="14" name="TextBox 13">
+            <a:extLst>
+              <a:ext uri="{FF2B5EF4-FFF2-40B4-BE49-F238E27FC236}">
+                <a16:creationId xmlns:a16="http://schemas.microsoft.com/office/drawing/2014/main" id="{1F9E1259-C343-6B6D-E626-2132E214901C}"/>
+              </a:ext>
+            </a:extLst>
+          </p:cNvPr>
+          <p:cNvSpPr txBox="1"/>
+          <p:nvPr/>
+        </p:nvSpPr>
+        <p:spPr>
+          <a:xfrm>
+            <a:off x="4501465" y="2959372"/>
+            <a:ext cx="1415845" cy="307777"/>
+          </a:xfrm>
+          <a:prstGeom prst="rect">
+            <a:avLst/>
+          </a:prstGeom>
+          <a:noFill/>
+        </p:spPr>
+        <p:txBody>
+          <a:bodyPr wrap="square" rtlCol="0">
+            <a:spAutoFit/>
+          </a:bodyPr>
+          <a:lstStyle/>
+          <a:p>
+            <a:r>
+              <a:rPr lang="en-US" dirty="0">
+                <a:solidFill>
+                  <a:schemeClr val="bg1"/>
+                </a:solidFill>
+                <a:latin typeface="Calibri" panose="020F0502020204030204" pitchFamily="34" charset="0"/>
+                <a:cs typeface="Calibri" panose="020F0502020204030204" pitchFamily="34" charset="0"/>
+              </a:rPr>
+              <a:t>April</a:t>
+            </a:r>
+            <a:endParaRPr lang="en-GB" dirty="0">
+              <a:solidFill>
+                <a:schemeClr val="bg1"/>
+              </a:solidFill>
+              <a:latin typeface="Calibri" panose="020F0502020204030204" pitchFamily="34" charset="0"/>
+              <a:cs typeface="Calibri" panose="020F0502020204030204" pitchFamily="34" charset="0"/>
+            </a:endParaRPr>
+          </a:p>
+        </p:txBody>
+      </p:sp>
+      <p:sp>
+        <p:nvSpPr>
+          <p:cNvPr id="15" name="TextBox 14">
+            <a:extLst>
+              <a:ext uri="{FF2B5EF4-FFF2-40B4-BE49-F238E27FC236}">
+                <a16:creationId xmlns:a16="http://schemas.microsoft.com/office/drawing/2014/main" id="{7EC33811-D11C-33C2-02DC-07867CFF4684}"/>
+              </a:ext>
+            </a:extLst>
+          </p:cNvPr>
+          <p:cNvSpPr txBox="1"/>
+          <p:nvPr/>
+        </p:nvSpPr>
+        <p:spPr>
+          <a:xfrm>
+            <a:off x="6205865" y="2946944"/>
+            <a:ext cx="1415845" cy="307777"/>
+          </a:xfrm>
+          <a:prstGeom prst="rect">
+            <a:avLst/>
+          </a:prstGeom>
+          <a:noFill/>
+        </p:spPr>
+        <p:txBody>
+          <a:bodyPr wrap="square" rtlCol="0">
+            <a:spAutoFit/>
+          </a:bodyPr>
+          <a:lstStyle/>
+          <a:p>
+            <a:r>
+              <a:rPr lang="en-US" dirty="0">
+                <a:solidFill>
+                  <a:schemeClr val="bg1"/>
+                </a:solidFill>
+                <a:latin typeface="Calibri" panose="020F0502020204030204" pitchFamily="34" charset="0"/>
+                <a:cs typeface="Calibri" panose="020F0502020204030204" pitchFamily="34" charset="0"/>
+              </a:rPr>
+              <a:t>May</a:t>
+            </a:r>
+            <a:endParaRPr lang="en-GB" dirty="0">
+              <a:solidFill>
+                <a:schemeClr val="bg1"/>
+              </a:solidFill>
+              <a:latin typeface="Calibri" panose="020F0502020204030204" pitchFamily="34" charset="0"/>
+              <a:cs typeface="Calibri" panose="020F0502020204030204" pitchFamily="34" charset="0"/>
+            </a:endParaRPr>
+          </a:p>
+        </p:txBody>
+      </p:sp>
+      <p:sp>
+        <p:nvSpPr>
+          <p:cNvPr id="16" name="TextBox 15">
+            <a:extLst>
+              <a:ext uri="{FF2B5EF4-FFF2-40B4-BE49-F238E27FC236}">
+                <a16:creationId xmlns:a16="http://schemas.microsoft.com/office/drawing/2014/main" id="{538B0B67-D7BC-6D0C-1B81-D25A00115542}"/>
+              </a:ext>
+            </a:extLst>
+          </p:cNvPr>
+          <p:cNvSpPr txBox="1"/>
+          <p:nvPr/>
+        </p:nvSpPr>
+        <p:spPr>
+          <a:xfrm>
+            <a:off x="7885255" y="2946943"/>
+            <a:ext cx="1415845" cy="307777"/>
+          </a:xfrm>
+          <a:prstGeom prst="rect">
+            <a:avLst/>
+          </a:prstGeom>
+          <a:noFill/>
+        </p:spPr>
+        <p:txBody>
+          <a:bodyPr wrap="square" rtlCol="0">
+            <a:spAutoFit/>
+          </a:bodyPr>
+          <a:lstStyle/>
+          <a:p>
+            <a:r>
+              <a:rPr lang="en-US" dirty="0">
+                <a:solidFill>
+                  <a:schemeClr val="bg1"/>
+                </a:solidFill>
+                <a:latin typeface="Calibri" panose="020F0502020204030204" pitchFamily="34" charset="0"/>
+                <a:cs typeface="Calibri" panose="020F0502020204030204" pitchFamily="34" charset="0"/>
+              </a:rPr>
+              <a:t>June</a:t>
+            </a:r>
+            <a:endParaRPr lang="en-GB" dirty="0">
+              <a:solidFill>
+                <a:schemeClr val="bg1"/>
+              </a:solidFill>
+              <a:latin typeface="Calibri" panose="020F0502020204030204" pitchFamily="34" charset="0"/>
+              <a:cs typeface="Calibri" panose="020F0502020204030204" pitchFamily="34" charset="0"/>
+            </a:endParaRPr>
+          </a:p>
+        </p:txBody>
+      </p:sp>
+      <p:sp>
+        <p:nvSpPr>
+          <p:cNvPr id="17" name="TextBox 16">
+            <a:extLst>
+              <a:ext uri="{FF2B5EF4-FFF2-40B4-BE49-F238E27FC236}">
+                <a16:creationId xmlns:a16="http://schemas.microsoft.com/office/drawing/2014/main" id="{2107DBD5-6E31-AC97-A455-E85378F3F8E1}"/>
+              </a:ext>
+            </a:extLst>
+          </p:cNvPr>
+          <p:cNvSpPr txBox="1"/>
+          <p:nvPr/>
+        </p:nvSpPr>
+        <p:spPr>
+          <a:xfrm>
+            <a:off x="409345" y="3659689"/>
+            <a:ext cx="1610138" cy="2246769"/>
+          </a:xfrm>
+          <a:prstGeom prst="rect">
+            <a:avLst/>
+          </a:prstGeom>
+          <a:noFill/>
+        </p:spPr>
+        <p:txBody>
+          <a:bodyPr wrap="square" rtlCol="0">
+            <a:spAutoFit/>
+          </a:bodyPr>
+          <a:lstStyle/>
+          <a:p>
+            <a:r>
+              <a:rPr lang="en-US" dirty="0">
+                <a:latin typeface="Calibri" panose="020F0502020204030204" pitchFamily="34" charset="0"/>
+                <a:cs typeface="Calibri" panose="020F0502020204030204" pitchFamily="34" charset="0"/>
+              </a:rPr>
+              <a:t>Manually created minimal </a:t>
+            </a:r>
+            <a:r>
+              <a:rPr lang="en-US" dirty="0" err="1">
+                <a:latin typeface="Calibri" panose="020F0502020204030204" pitchFamily="34" charset="0"/>
+                <a:cs typeface="Calibri" panose="020F0502020204030204" pitchFamily="34" charset="0"/>
+              </a:rPr>
+              <a:t>Dockerfiles</a:t>
+            </a:r>
+            <a:r>
+              <a:rPr lang="en-US" dirty="0">
+                <a:latin typeface="Calibri" panose="020F0502020204030204" pitchFamily="34" charset="0"/>
+                <a:cs typeface="Calibri" panose="020F0502020204030204" pitchFamily="34" charset="0"/>
+              </a:rPr>
+              <a:t> for </a:t>
+            </a:r>
+            <a:r>
+              <a:rPr lang="en-US" i="1" dirty="0">
+                <a:latin typeface="Calibri" panose="020F0502020204030204" pitchFamily="34" charset="0"/>
+                <a:cs typeface="Calibri" panose="020F0502020204030204" pitchFamily="34" charset="0"/>
+              </a:rPr>
+              <a:t>hello-world </a:t>
+            </a:r>
+            <a:r>
+              <a:rPr lang="en-US" dirty="0">
+                <a:latin typeface="Calibri" panose="020F0502020204030204" pitchFamily="34" charset="0"/>
+                <a:cs typeface="Calibri" panose="020F0502020204030204" pitchFamily="34" charset="0"/>
+              </a:rPr>
+              <a:t>app in different programming languages and complex one like DBs, </a:t>
+            </a:r>
+            <a:r>
+              <a:rPr lang="en-US" dirty="0" err="1">
+                <a:latin typeface="Calibri" panose="020F0502020204030204" pitchFamily="34" charset="0"/>
+                <a:cs typeface="Calibri" panose="020F0502020204030204" pitchFamily="34" charset="0"/>
+              </a:rPr>
+              <a:t>Wordpress</a:t>
+            </a:r>
+            <a:r>
+              <a:rPr lang="en-US" dirty="0">
+                <a:latin typeface="Calibri" panose="020F0502020204030204" pitchFamily="34" charset="0"/>
+                <a:cs typeface="Calibri" panose="020F0502020204030204" pitchFamily="34" charset="0"/>
+              </a:rPr>
+              <a:t>, headless browsers</a:t>
+            </a:r>
+            <a:endParaRPr lang="en-GB" dirty="0">
+              <a:latin typeface="Calibri" panose="020F0502020204030204" pitchFamily="34" charset="0"/>
+              <a:cs typeface="Calibri" panose="020F0502020204030204" pitchFamily="34" charset="0"/>
+            </a:endParaRPr>
+          </a:p>
+        </p:txBody>
+      </p:sp>
+      <p:sp>
+        <p:nvSpPr>
+          <p:cNvPr id="18" name="TextBox 17">
+            <a:extLst>
+              <a:ext uri="{FF2B5EF4-FFF2-40B4-BE49-F238E27FC236}">
+                <a16:creationId xmlns:a16="http://schemas.microsoft.com/office/drawing/2014/main" id="{5D47C368-AD7C-BE1C-1EF6-D9FAC450138F}"/>
+              </a:ext>
+            </a:extLst>
+          </p:cNvPr>
+          <p:cNvSpPr txBox="1"/>
+          <p:nvPr/>
+        </p:nvSpPr>
+        <p:spPr>
+          <a:xfrm>
+            <a:off x="2120244" y="3670884"/>
+            <a:ext cx="1610138" cy="1169551"/>
+          </a:xfrm>
+          <a:prstGeom prst="rect">
+            <a:avLst/>
+          </a:prstGeom>
+          <a:noFill/>
+        </p:spPr>
+        <p:txBody>
+          <a:bodyPr wrap="square" rtlCol="0">
+            <a:spAutoFit/>
+          </a:bodyPr>
+          <a:lstStyle/>
+          <a:p>
+            <a:r>
+              <a:rPr lang="en-US" dirty="0">
+                <a:latin typeface="Calibri" panose="020F0502020204030204" pitchFamily="34" charset="0"/>
+                <a:cs typeface="Calibri" panose="020F0502020204030204" pitchFamily="34" charset="0"/>
+              </a:rPr>
+              <a:t>Sketched the architectural diagram of the app and checked if the idea is feasible</a:t>
+            </a:r>
+            <a:endParaRPr lang="en-GB" dirty="0">
+              <a:latin typeface="Calibri" panose="020F0502020204030204" pitchFamily="34" charset="0"/>
+              <a:cs typeface="Calibri" panose="020F0502020204030204" pitchFamily="34" charset="0"/>
+            </a:endParaRPr>
+          </a:p>
+        </p:txBody>
+      </p:sp>
+      <p:sp>
+        <p:nvSpPr>
+          <p:cNvPr id="19" name="TextBox 18">
+            <a:extLst>
+              <a:ext uri="{FF2B5EF4-FFF2-40B4-BE49-F238E27FC236}">
+                <a16:creationId xmlns:a16="http://schemas.microsoft.com/office/drawing/2014/main" id="{3D7F7E57-55B1-156E-AE82-B230C8B7BA71}"/>
+              </a:ext>
+            </a:extLst>
+          </p:cNvPr>
+          <p:cNvSpPr txBox="1"/>
+          <p:nvPr/>
+        </p:nvSpPr>
+        <p:spPr>
+          <a:xfrm>
+            <a:off x="3833926" y="3706040"/>
+            <a:ext cx="1553074" cy="738664"/>
+          </a:xfrm>
+          <a:prstGeom prst="rect">
+            <a:avLst/>
+          </a:prstGeom>
+          <a:noFill/>
+        </p:spPr>
+        <p:txBody>
+          <a:bodyPr wrap="square" rtlCol="0">
+            <a:spAutoFit/>
+          </a:bodyPr>
+          <a:lstStyle/>
+          <a:p>
+            <a:r>
+              <a:rPr lang="en-US" dirty="0">
+                <a:latin typeface="Calibri" panose="020F0502020204030204" pitchFamily="34" charset="0"/>
+                <a:cs typeface="Calibri" panose="020F0502020204030204" pitchFamily="34" charset="0"/>
+              </a:rPr>
+              <a:t>Start work implementing the solution</a:t>
+            </a:r>
+            <a:endParaRPr lang="en-GB" dirty="0">
+              <a:latin typeface="Calibri" panose="020F0502020204030204" pitchFamily="34" charset="0"/>
+              <a:cs typeface="Calibri" panose="020F0502020204030204" pitchFamily="34" charset="0"/>
+            </a:endParaRPr>
+          </a:p>
+        </p:txBody>
+      </p:sp>
+      <p:sp>
+        <p:nvSpPr>
+          <p:cNvPr id="20" name="TextBox 19">
+            <a:extLst>
+              <a:ext uri="{FF2B5EF4-FFF2-40B4-BE49-F238E27FC236}">
+                <a16:creationId xmlns:a16="http://schemas.microsoft.com/office/drawing/2014/main" id="{B39120D5-EE96-E4FE-A0CC-E8ABD5CEDBD9}"/>
+              </a:ext>
+            </a:extLst>
+          </p:cNvPr>
+          <p:cNvSpPr txBox="1"/>
+          <p:nvPr/>
+        </p:nvSpPr>
+        <p:spPr>
+          <a:xfrm>
+            <a:off x="5518448" y="3706040"/>
+            <a:ext cx="1553074" cy="523220"/>
+          </a:xfrm>
+          <a:prstGeom prst="rect">
+            <a:avLst/>
+          </a:prstGeom>
+          <a:noFill/>
+        </p:spPr>
+        <p:txBody>
+          <a:bodyPr wrap="square" rtlCol="0">
+            <a:spAutoFit/>
+          </a:bodyPr>
+          <a:lstStyle/>
+          <a:p>
+            <a:r>
+              <a:rPr lang="en-US" dirty="0">
+                <a:latin typeface="Calibri" panose="020F0502020204030204" pitchFamily="34" charset="0"/>
+                <a:cs typeface="Calibri" panose="020F0502020204030204" pitchFamily="34" charset="0"/>
+              </a:rPr>
+              <a:t>Finish the development</a:t>
+            </a:r>
+            <a:endParaRPr lang="en-GB" dirty="0">
+              <a:latin typeface="Calibri" panose="020F0502020204030204" pitchFamily="34" charset="0"/>
+              <a:cs typeface="Calibri" panose="020F0502020204030204" pitchFamily="34" charset="0"/>
+            </a:endParaRPr>
+          </a:p>
+        </p:txBody>
+      </p:sp>
+      <p:sp>
+        <p:nvSpPr>
+          <p:cNvPr id="21" name="TextBox 20">
+            <a:extLst>
+              <a:ext uri="{FF2B5EF4-FFF2-40B4-BE49-F238E27FC236}">
+                <a16:creationId xmlns:a16="http://schemas.microsoft.com/office/drawing/2014/main" id="{18C4B8F7-307F-9AFD-3845-9DAB623CB9E8}"/>
+              </a:ext>
+            </a:extLst>
+          </p:cNvPr>
+          <p:cNvSpPr txBox="1"/>
+          <p:nvPr/>
+        </p:nvSpPr>
+        <p:spPr>
+          <a:xfrm>
+            <a:off x="7132447" y="3680823"/>
+            <a:ext cx="1610139" cy="738664"/>
+          </a:xfrm>
+          <a:prstGeom prst="rect">
+            <a:avLst/>
+          </a:prstGeom>
+          <a:noFill/>
+        </p:spPr>
+        <p:txBody>
+          <a:bodyPr wrap="square" rtlCol="0">
+            <a:spAutoFit/>
+          </a:bodyPr>
+          <a:lstStyle/>
+          <a:p>
+            <a:r>
+              <a:rPr lang="en-US" dirty="0">
+                <a:latin typeface="Calibri" panose="020F0502020204030204" pitchFamily="34" charset="0"/>
+                <a:cs typeface="Calibri" panose="020F0502020204030204" pitchFamily="34" charset="0"/>
+              </a:rPr>
+              <a:t>Focus on writing the documentation</a:t>
+            </a:r>
+          </a:p>
+          <a:p>
+            <a:r>
+              <a:rPr lang="en-US" dirty="0">
+                <a:latin typeface="Calibri" panose="020F0502020204030204" pitchFamily="34" charset="0"/>
+                <a:cs typeface="Calibri" panose="020F0502020204030204" pitchFamily="34" charset="0"/>
+              </a:rPr>
+              <a:t>and presentation </a:t>
+            </a:r>
+            <a:endParaRPr lang="en-GB" dirty="0">
+              <a:latin typeface="Calibri" panose="020F0502020204030204" pitchFamily="34" charset="0"/>
+              <a:cs typeface="Calibri" panose="020F0502020204030204" pitchFamily="34" charset="0"/>
+            </a:endParaRPr>
+          </a:p>
+        </p:txBody>
+      </p:sp>
+    </p:spTree>
+  </p:cSld>
+  <p:clrMapOvr>
+    <a:masterClrMapping/>
+  </p:clrMapOvr>
+</p:sld>
+</file>
+
+<file path=ppt/slides/slide13.xml><?xml version="1.0" encoding="utf-8"?>
 <p:sld xmlns:a="http://schemas.openxmlformats.org/drawingml/2006/main" xmlns:r="http://schemas.openxmlformats.org/officeDocument/2006/relationships" xmlns:p="http://schemas.openxmlformats.org/presentationml/2006/main">
   <p:cSld>
     <p:spTree>
@@ -12413,7 +14439,7 @@
             </a:pPr>
             <a:fld id="{00000000-1234-1234-1234-123412341234}" type="slidenum">
               <a:rPr lang="en-GB" smtClean="0"/>
-              <a:t>10</a:t>
+              <a:t>13</a:t>
             </a:fld>
             <a:endParaRPr lang="en-GB"/>
           </a:p>
@@ -15441,58 +17467,6 @@
       </p:sp>
       <p:sp>
         <p:nvSpPr>
-          <p:cNvPr id="18" name="Rectangle 17">
-            <a:extLst>
-              <a:ext uri="{FF2B5EF4-FFF2-40B4-BE49-F238E27FC236}">
-                <a16:creationId xmlns:a16="http://schemas.microsoft.com/office/drawing/2014/main" id="{533DD610-EBC9-6D48-448F-2B3D2F936A10}"/>
-              </a:ext>
-            </a:extLst>
-          </p:cNvPr>
-          <p:cNvSpPr/>
-          <p:nvPr/>
-        </p:nvSpPr>
-        <p:spPr>
-          <a:xfrm>
-            <a:off x="457200" y="2644878"/>
-            <a:ext cx="4474831" cy="2426886"/>
-          </a:xfrm>
-          <a:prstGeom prst="rect">
-            <a:avLst/>
-          </a:prstGeom>
-          <a:noFill/>
-          <a:ln>
-            <a:solidFill>
-              <a:srgbClr val="FF0000"/>
-            </a:solidFill>
-          </a:ln>
-        </p:spPr>
-        <p:style>
-          <a:lnRef idx="2">
-            <a:schemeClr val="accent1">
-              <a:shade val="15000"/>
-            </a:schemeClr>
-          </a:lnRef>
-          <a:fillRef idx="1">
-            <a:schemeClr val="accent1"/>
-          </a:fillRef>
-          <a:effectRef idx="0">
-            <a:schemeClr val="accent1"/>
-          </a:effectRef>
-          <a:fontRef idx="minor">
-            <a:schemeClr val="lt1"/>
-          </a:fontRef>
-        </p:style>
-        <p:txBody>
-          <a:bodyPr rtlCol="0" anchor="ctr"/>
-          <a:lstStyle/>
-          <a:p>
-            <a:pPr algn="ctr"/>
-            <a:endParaRPr lang="en-GB"/>
-          </a:p>
-        </p:txBody>
-      </p:sp>
-      <p:sp>
-        <p:nvSpPr>
           <p:cNvPr id="20" name="Rectangle 19">
             <a:extLst>
               <a:ext uri="{FF2B5EF4-FFF2-40B4-BE49-F238E27FC236}">
@@ -15543,250 +17517,6 @@
           </a:p>
         </p:txBody>
       </p:sp>
-      <p:cxnSp>
-        <p:nvCxnSpPr>
-          <p:cNvPr id="22" name="Straight Arrow Connector 21">
-            <a:extLst>
-              <a:ext uri="{FF2B5EF4-FFF2-40B4-BE49-F238E27FC236}">
-                <a16:creationId xmlns:a16="http://schemas.microsoft.com/office/drawing/2014/main" id="{E34D1D4B-0D08-45D1-CE1A-9DCEDEAF0AFC}"/>
-              </a:ext>
-            </a:extLst>
-          </p:cNvPr>
-          <p:cNvCxnSpPr/>
-          <p:nvPr/>
-        </p:nvCxnSpPr>
-        <p:spPr>
-          <a:xfrm>
-            <a:off x="4932031" y="3696929"/>
-            <a:ext cx="1557259" cy="0"/>
-          </a:xfrm>
-          <a:prstGeom prst="straightConnector1">
-            <a:avLst/>
-          </a:prstGeom>
-          <a:ln w="38100">
-            <a:solidFill>
-              <a:srgbClr val="FF0000"/>
-            </a:solidFill>
-            <a:tailEnd type="triangle"/>
-          </a:ln>
-        </p:spPr>
-        <p:style>
-          <a:lnRef idx="1">
-            <a:schemeClr val="accent1"/>
-          </a:lnRef>
-          <a:fillRef idx="0">
-            <a:schemeClr val="accent1"/>
-          </a:fillRef>
-          <a:effectRef idx="0">
-            <a:schemeClr val="accent1"/>
-          </a:effectRef>
-          <a:fontRef idx="minor">
-            <a:schemeClr val="tx1"/>
-          </a:fontRef>
-        </p:style>
-      </p:cxnSp>
-      <p:sp>
-        <p:nvSpPr>
-          <p:cNvPr id="23" name="TextBox 22">
-            <a:extLst>
-              <a:ext uri="{FF2B5EF4-FFF2-40B4-BE49-F238E27FC236}">
-                <a16:creationId xmlns:a16="http://schemas.microsoft.com/office/drawing/2014/main" id="{844E248F-2AED-BFAC-99CE-27EA9F6A2658}"/>
-              </a:ext>
-            </a:extLst>
-          </p:cNvPr>
-          <p:cNvSpPr txBox="1"/>
-          <p:nvPr/>
-        </p:nvSpPr>
-        <p:spPr>
-          <a:xfrm>
-            <a:off x="6489290" y="3325129"/>
-            <a:ext cx="2112922" cy="707886"/>
-          </a:xfrm>
-          <a:prstGeom prst="rect">
-            <a:avLst/>
-          </a:prstGeom>
-          <a:noFill/>
-        </p:spPr>
-        <p:txBody>
-          <a:bodyPr wrap="square" rtlCol="0">
-            <a:spAutoFit/>
-          </a:bodyPr>
-          <a:lstStyle/>
-          <a:p>
-            <a:r>
-              <a:rPr lang="en-US" sz="2000" dirty="0">
-                <a:latin typeface="Calibri" panose="020F0502020204030204" pitchFamily="34" charset="0"/>
-                <a:cs typeface="Calibri" panose="020F0502020204030204" pitchFamily="34" charset="0"/>
-              </a:rPr>
-              <a:t>libraries identified by </a:t>
-            </a:r>
-            <a:r>
-              <a:rPr lang="en-US" sz="2000" i="1" dirty="0" err="1">
-                <a:latin typeface="Calibri" panose="020F0502020204030204" pitchFamily="34" charset="0"/>
-                <a:cs typeface="Calibri" panose="020F0502020204030204" pitchFamily="34" charset="0"/>
-              </a:rPr>
-              <a:t>ldd</a:t>
-            </a:r>
-            <a:endParaRPr lang="en-GB" sz="2000" dirty="0">
-              <a:latin typeface="Calibri" panose="020F0502020204030204" pitchFamily="34" charset="0"/>
-              <a:cs typeface="Calibri" panose="020F0502020204030204" pitchFamily="34" charset="0"/>
-            </a:endParaRPr>
-          </a:p>
-        </p:txBody>
-      </p:sp>
-      <p:sp>
-        <p:nvSpPr>
-          <p:cNvPr id="24" name="Rectangle 23">
-            <a:extLst>
-              <a:ext uri="{FF2B5EF4-FFF2-40B4-BE49-F238E27FC236}">
-                <a16:creationId xmlns:a16="http://schemas.microsoft.com/office/drawing/2014/main" id="{772F5E03-F43B-628D-AEB0-141ECC16EA0E}"/>
-              </a:ext>
-            </a:extLst>
-          </p:cNvPr>
-          <p:cNvSpPr/>
-          <p:nvPr/>
-        </p:nvSpPr>
-        <p:spPr>
-          <a:xfrm>
-            <a:off x="457200" y="5148470"/>
-            <a:ext cx="3524865" cy="573904"/>
-          </a:xfrm>
-          <a:prstGeom prst="rect">
-            <a:avLst/>
-          </a:prstGeom>
-          <a:noFill/>
-          <a:ln>
-            <a:solidFill>
-              <a:srgbClr val="FF0000"/>
-            </a:solidFill>
-          </a:ln>
-        </p:spPr>
-        <p:style>
-          <a:lnRef idx="2">
-            <a:schemeClr val="accent1">
-              <a:shade val="15000"/>
-            </a:schemeClr>
-          </a:lnRef>
-          <a:fillRef idx="1">
-            <a:schemeClr val="accent1"/>
-          </a:fillRef>
-          <a:effectRef idx="0">
-            <a:schemeClr val="accent1"/>
-          </a:effectRef>
-          <a:fontRef idx="minor">
-            <a:schemeClr val="lt1"/>
-          </a:fontRef>
-        </p:style>
-        <p:txBody>
-          <a:bodyPr rtlCol="0" anchor="ctr"/>
-          <a:lstStyle/>
-          <a:p>
-            <a:pPr algn="ctr"/>
-            <a:endParaRPr lang="en-GB"/>
-          </a:p>
-        </p:txBody>
-      </p:sp>
-      <p:cxnSp>
-        <p:nvCxnSpPr>
-          <p:cNvPr id="26" name="Straight Arrow Connector 25">
-            <a:extLst>
-              <a:ext uri="{FF2B5EF4-FFF2-40B4-BE49-F238E27FC236}">
-                <a16:creationId xmlns:a16="http://schemas.microsoft.com/office/drawing/2014/main" id="{421CC9AD-9EE6-C5FE-1E50-0D773213A633}"/>
-              </a:ext>
-            </a:extLst>
-          </p:cNvPr>
-          <p:cNvCxnSpPr>
-            <a:cxnSpLocks/>
-            <a:stCxn id="24" idx="3"/>
-          </p:cNvCxnSpPr>
-          <p:nvPr/>
-        </p:nvCxnSpPr>
-        <p:spPr>
-          <a:xfrm flipV="1">
-            <a:off x="3982065" y="5426765"/>
-            <a:ext cx="2507225" cy="8657"/>
-          </a:xfrm>
-          <a:prstGeom prst="straightConnector1">
-            <a:avLst/>
-          </a:prstGeom>
-          <a:ln w="38100">
-            <a:solidFill>
-              <a:srgbClr val="FF0000"/>
-            </a:solidFill>
-            <a:tailEnd type="triangle"/>
-          </a:ln>
-        </p:spPr>
-        <p:style>
-          <a:lnRef idx="1">
-            <a:schemeClr val="accent1"/>
-          </a:lnRef>
-          <a:fillRef idx="0">
-            <a:schemeClr val="accent1"/>
-          </a:fillRef>
-          <a:effectRef idx="0">
-            <a:schemeClr val="accent1"/>
-          </a:effectRef>
-          <a:fontRef idx="minor">
-            <a:schemeClr val="tx1"/>
-          </a:fontRef>
-        </p:style>
-      </p:cxnSp>
-      <p:sp>
-        <p:nvSpPr>
-          <p:cNvPr id="28" name="TextBox 27">
-            <a:extLst>
-              <a:ext uri="{FF2B5EF4-FFF2-40B4-BE49-F238E27FC236}">
-                <a16:creationId xmlns:a16="http://schemas.microsoft.com/office/drawing/2014/main" id="{565F1D56-EF0B-C8AC-8016-002ACA0FDD2F}"/>
-              </a:ext>
-            </a:extLst>
-          </p:cNvPr>
-          <p:cNvSpPr txBox="1"/>
-          <p:nvPr/>
-        </p:nvSpPr>
-        <p:spPr>
-          <a:xfrm>
-            <a:off x="6489290" y="4927590"/>
-            <a:ext cx="2327284" cy="1015663"/>
-          </a:xfrm>
-          <a:prstGeom prst="rect">
-            <a:avLst/>
-          </a:prstGeom>
-          <a:noFill/>
-        </p:spPr>
-        <p:txBody>
-          <a:bodyPr wrap="square" rtlCol="0">
-            <a:spAutoFit/>
-          </a:bodyPr>
-          <a:lstStyle/>
-          <a:p>
-            <a:r>
-              <a:rPr lang="en-US" sz="2000" dirty="0">
-                <a:latin typeface="Calibri" panose="020F0502020204030204" pitchFamily="34" charset="0"/>
-                <a:cs typeface="Calibri" panose="020F0502020204030204" pitchFamily="34" charset="0"/>
-              </a:rPr>
-              <a:t>other files needed by the app found by </a:t>
-            </a:r>
-            <a:r>
-              <a:rPr lang="en-US" sz="2000" i="1" dirty="0" err="1">
-                <a:latin typeface="Calibri" panose="020F0502020204030204" pitchFamily="34" charset="0"/>
-                <a:cs typeface="Calibri" panose="020F0502020204030204" pitchFamily="34" charset="0"/>
-              </a:rPr>
-              <a:t>strace</a:t>
-            </a:r>
-            <a:r>
-              <a:rPr lang="en-US" sz="2000" dirty="0">
-                <a:latin typeface="Calibri" panose="020F0502020204030204" pitchFamily="34" charset="0"/>
-                <a:cs typeface="Calibri" panose="020F0502020204030204" pitchFamily="34" charset="0"/>
-              </a:rPr>
-              <a:t> </a:t>
-            </a:r>
-            <a:endParaRPr lang="en-GB" sz="2000" dirty="0">
-              <a:latin typeface="Calibri" panose="020F0502020204030204" pitchFamily="34" charset="0"/>
-              <a:cs typeface="Calibri" panose="020F0502020204030204" pitchFamily="34" charset="0"/>
-            </a:endParaRPr>
-          </a:p>
-        </p:txBody>
-      </p:sp>
       <p:sp>
         <p:nvSpPr>
           <p:cNvPr id="29" name="TextBox 28">
@@ -15801,7 +17531,7 @@
         </p:nvSpPr>
         <p:spPr>
           <a:xfrm>
-            <a:off x="5235677" y="2169011"/>
+            <a:off x="5285373" y="2986574"/>
             <a:ext cx="3637721" cy="1384995"/>
           </a:xfrm>
           <a:prstGeom prst="rect">
@@ -16032,204 +17762,6 @@
                                           </p:stCondLst>
                                         </p:cTn>
                                         <p:tgtEl>
-                                          <p:spTgt spid="18"/>
-                                        </p:tgtEl>
-                                        <p:attrNameLst>
-                                          <p:attrName>style.visibility</p:attrName>
-                                        </p:attrNameLst>
-                                      </p:cBhvr>
-                                      <p:to>
-                                        <p:strVal val="visible"/>
-                                      </p:to>
-                                    </p:set>
-                                  </p:childTnLst>
-                                </p:cTn>
-                              </p:par>
-                              <p:par>
-                                <p:cTn id="15" presetID="1" presetClass="entr" presetSubtype="0" fill="hold" nodeType="withEffect">
-                                  <p:stCondLst>
-                                    <p:cond delay="0"/>
-                                  </p:stCondLst>
-                                  <p:childTnLst>
-                                    <p:set>
-                                      <p:cBhvr>
-                                        <p:cTn id="16" dur="1" fill="hold">
-                                          <p:stCondLst>
-                                            <p:cond delay="0"/>
-                                          </p:stCondLst>
-                                        </p:cTn>
-                                        <p:tgtEl>
-                                          <p:spTgt spid="22"/>
-                                        </p:tgtEl>
-                                        <p:attrNameLst>
-                                          <p:attrName>style.visibility</p:attrName>
-                                        </p:attrNameLst>
-                                      </p:cBhvr>
-                                      <p:to>
-                                        <p:strVal val="visible"/>
-                                      </p:to>
-                                    </p:set>
-                                  </p:childTnLst>
-                                </p:cTn>
-                              </p:par>
-                              <p:par>
-                                <p:cTn id="17" presetID="1" presetClass="entr" presetSubtype="0" fill="hold" grpId="0" nodeType="withEffect">
-                                  <p:stCondLst>
-                                    <p:cond delay="0"/>
-                                  </p:stCondLst>
-                                  <p:childTnLst>
-                                    <p:set>
-                                      <p:cBhvr>
-                                        <p:cTn id="18" dur="1" fill="hold">
-                                          <p:stCondLst>
-                                            <p:cond delay="0"/>
-                                          </p:stCondLst>
-                                        </p:cTn>
-                                        <p:tgtEl>
-                                          <p:spTgt spid="23"/>
-                                        </p:tgtEl>
-                                        <p:attrNameLst>
-                                          <p:attrName>style.visibility</p:attrName>
-                                        </p:attrNameLst>
-                                      </p:cBhvr>
-                                      <p:to>
-                                        <p:strVal val="visible"/>
-                                      </p:to>
-                                    </p:set>
-                                  </p:childTnLst>
-                                </p:cTn>
-                              </p:par>
-                            </p:childTnLst>
-                          </p:cTn>
-                        </p:par>
-                      </p:childTnLst>
-                    </p:cTn>
-                  </p:par>
-                  <p:par>
-                    <p:cTn id="19" fill="hold">
-                      <p:stCondLst>
-                        <p:cond delay="indefinite"/>
-                      </p:stCondLst>
-                      <p:childTnLst>
-                        <p:par>
-                          <p:cTn id="20" fill="hold">
-                            <p:stCondLst>
-                              <p:cond delay="0"/>
-                            </p:stCondLst>
-                            <p:childTnLst>
-                              <p:par>
-                                <p:cTn id="21" presetID="1" presetClass="entr" presetSubtype="0" fill="hold" grpId="0" nodeType="clickEffect">
-                                  <p:stCondLst>
-                                    <p:cond delay="0"/>
-                                  </p:stCondLst>
-                                  <p:childTnLst>
-                                    <p:set>
-                                      <p:cBhvr>
-                                        <p:cTn id="22" dur="1" fill="hold">
-                                          <p:stCondLst>
-                                            <p:cond delay="0"/>
-                                          </p:stCondLst>
-                                        </p:cTn>
-                                        <p:tgtEl>
-                                          <p:spTgt spid="24"/>
-                                        </p:tgtEl>
-                                        <p:attrNameLst>
-                                          <p:attrName>style.visibility</p:attrName>
-                                        </p:attrNameLst>
-                                      </p:cBhvr>
-                                      <p:to>
-                                        <p:strVal val="visible"/>
-                                      </p:to>
-                                    </p:set>
-                                  </p:childTnLst>
-                                </p:cTn>
-                              </p:par>
-                              <p:par>
-                                <p:cTn id="23" presetID="1" presetClass="entr" presetSubtype="0" fill="hold" nodeType="withEffect">
-                                  <p:stCondLst>
-                                    <p:cond delay="0"/>
-                                  </p:stCondLst>
-                                  <p:childTnLst>
-                                    <p:set>
-                                      <p:cBhvr>
-                                        <p:cTn id="24" dur="1" fill="hold">
-                                          <p:stCondLst>
-                                            <p:cond delay="0"/>
-                                          </p:stCondLst>
-                                        </p:cTn>
-                                        <p:tgtEl>
-                                          <p:spTgt spid="26"/>
-                                        </p:tgtEl>
-                                        <p:attrNameLst>
-                                          <p:attrName>style.visibility</p:attrName>
-                                        </p:attrNameLst>
-                                      </p:cBhvr>
-                                      <p:to>
-                                        <p:strVal val="visible"/>
-                                      </p:to>
-                                    </p:set>
-                                  </p:childTnLst>
-                                </p:cTn>
-                              </p:par>
-                              <p:par>
-                                <p:cTn id="25" presetID="1" presetClass="entr" presetSubtype="0" fill="hold" grpId="0" nodeType="withEffect">
-                                  <p:stCondLst>
-                                    <p:cond delay="0"/>
-                                  </p:stCondLst>
-                                  <p:childTnLst>
-                                    <p:set>
-                                      <p:cBhvr>
-                                        <p:cTn id="26" dur="1" fill="hold">
-                                          <p:stCondLst>
-                                            <p:cond delay="0"/>
-                                          </p:stCondLst>
-                                        </p:cTn>
-                                        <p:tgtEl>
-                                          <p:spTgt spid="28"/>
-                                        </p:tgtEl>
-                                        <p:attrNameLst>
-                                          <p:attrName>style.visibility</p:attrName>
-                                        </p:attrNameLst>
-                                      </p:cBhvr>
-                                      <p:to>
-                                        <p:strVal val="visible"/>
-                                      </p:to>
-                                    </p:set>
-                                  </p:childTnLst>
-                                </p:cTn>
-                              </p:par>
-                            </p:childTnLst>
-                          </p:cTn>
-                        </p:par>
-                      </p:childTnLst>
-                    </p:cTn>
-                  </p:par>
-                  <p:par>
-                    <p:cTn id="27" fill="hold">
-                      <p:stCondLst>
-                        <p:cond delay="indefinite"/>
-                      </p:stCondLst>
-                      <p:childTnLst>
-                        <p:par>
-                          <p:cTn id="28" fill="hold">
-                            <p:stCondLst>
-                              <p:cond delay="0"/>
-                            </p:stCondLst>
-                            <p:childTnLst>
-                              <p:par>
-                                <p:cTn id="29" presetID="1" presetClass="entr" presetSubtype="0" fill="hold" grpId="0" nodeType="clickEffect">
-                                  <p:stCondLst>
-                                    <p:cond delay="0"/>
-                                  </p:stCondLst>
-                                  <p:childTnLst>
-                                    <p:set>
-                                      <p:cBhvr>
-                                        <p:cTn id="30" dur="1" fill="hold">
-                                          <p:stCondLst>
-                                            <p:cond delay="0"/>
-                                          </p:stCondLst>
-                                        </p:cTn>
-                                        <p:tgtEl>
                                           <p:spTgt spid="29"/>
                                         </p:tgtEl>
                                         <p:attrNameLst>
@@ -16272,11 +17804,7 @@
     </p:tnLst>
     <p:bldLst>
       <p:bldP spid="14" grpId="0"/>
-      <p:bldP spid="18" grpId="0" animBg="1"/>
       <p:bldP spid="20" grpId="0" animBg="1"/>
-      <p:bldP spid="23" grpId="0"/>
-      <p:bldP spid="24" grpId="0" animBg="1"/>
-      <p:bldP spid="28" grpId="0"/>
       <p:bldP spid="29" grpId="0"/>
     </p:bldLst>
   </p:timing>
@@ -16288,7 +17816,7 @@
   <p:cSld>
     <p:spTree>
       <p:nvGrpSpPr>
-        <p:cNvPr id="1" name="Shape 128"/>
+        <p:cNvPr id="1" name=""/>
         <p:cNvGrpSpPr/>
         <p:nvPr/>
       </p:nvGrpSpPr>
@@ -16302,99 +17830,124 @@
       </p:grpSpPr>
       <p:sp>
         <p:nvSpPr>
-          <p:cNvPr id="129" name="Google Shape;129;p21"/>
-          <p:cNvSpPr txBox="1">
+          <p:cNvPr id="2" name="Title 1">
+            <a:extLst>
+              <a:ext uri="{FF2B5EF4-FFF2-40B4-BE49-F238E27FC236}">
+                <a16:creationId xmlns:a16="http://schemas.microsoft.com/office/drawing/2014/main" id="{D2D3C460-0131-CFA8-411D-826DE065C1DF}"/>
+              </a:ext>
+            </a:extLst>
+          </p:cNvPr>
+          <p:cNvSpPr>
             <a:spLocks noGrp="1"/>
           </p:cNvSpPr>
           <p:nvPr>
             <p:ph type="title"/>
           </p:nvPr>
         </p:nvSpPr>
-        <p:spPr>
-          <a:xfrm>
-            <a:off x="1214414" y="131762"/>
-            <a:ext cx="7472400" cy="868200"/>
-          </a:xfrm>
-          <a:prstGeom prst="rect">
-            <a:avLst/>
-          </a:prstGeom>
-        </p:spPr>
+        <p:spPr/>
         <p:txBody>
-          <a:bodyPr spcFirstLastPara="1" wrap="square" lIns="91425" tIns="45700" rIns="91425" bIns="45700" anchor="ctr" anchorCtr="0">
-            <a:noAutofit/>
-          </a:bodyPr>
+          <a:bodyPr/>
           <a:lstStyle/>
           <a:p>
-            <a:pPr marL="0" lvl="0" indent="0" algn="r" rtl="0">
-              <a:spcBef>
-                <a:spcPts val="0"/>
-              </a:spcBef>
-              <a:spcAft>
-                <a:spcPts val="0"/>
-              </a:spcAft>
-              <a:buNone/>
-            </a:pPr>
             <a:r>
-              <a:rPr lang="en-GB"/>
-              <a:t>Architecture</a:t>
+              <a:rPr lang="en-US" dirty="0"/>
+              <a:t>Use Case</a:t>
             </a:r>
-            <a:endParaRPr/>
+            <a:endParaRPr lang="en-GB" dirty="0"/>
           </a:p>
         </p:txBody>
       </p:sp>
       <p:sp>
         <p:nvSpPr>
-          <p:cNvPr id="130" name="Google Shape;130;p21"/>
-          <p:cNvSpPr txBox="1">
+          <p:cNvPr id="4" name="Slide Number Placeholder 3">
+            <a:extLst>
+              <a:ext uri="{FF2B5EF4-FFF2-40B4-BE49-F238E27FC236}">
+                <a16:creationId xmlns:a16="http://schemas.microsoft.com/office/drawing/2014/main" id="{CDA7F207-E096-235D-C49E-3DE98200225D}"/>
+              </a:ext>
+            </a:extLst>
+          </p:cNvPr>
+          <p:cNvSpPr>
             <a:spLocks noGrp="1"/>
           </p:cNvSpPr>
           <p:nvPr>
             <p:ph type="sldNum" idx="12"/>
           </p:nvPr>
         </p:nvSpPr>
-        <p:spPr>
+        <p:spPr/>
+        <p:txBody>
+          <a:bodyPr/>
+          <a:lstStyle/>
+          <a:p>
+            <a:pPr marL="0" lvl="0" indent="0" algn="r" rtl="0">
+              <a:spcBef>
+                <a:spcPts val="0"/>
+              </a:spcBef>
+              <a:spcAft>
+                <a:spcPts val="0"/>
+              </a:spcAft>
+              <a:buNone/>
+            </a:pPr>
+            <a:fld id="{00000000-1234-1234-1234-123412341234}" type="slidenum">
+              <a:rPr lang="en-GB" smtClean="0"/>
+              <a:t>8</a:t>
+            </a:fld>
+            <a:endParaRPr lang="en-GB"/>
+          </a:p>
+        </p:txBody>
+      </p:sp>
+      <p:pic>
+        <p:nvPicPr>
+          <p:cNvPr id="1026" name="Picture 2" descr="GitHub - unikraft/unikraft: A next-generation cloud native kernel designed  to unlock best-in-class performance, security primitives and efficiency  savings.">
+            <a:extLst>
+              <a:ext uri="{FF2B5EF4-FFF2-40B4-BE49-F238E27FC236}">
+                <a16:creationId xmlns:a16="http://schemas.microsoft.com/office/drawing/2014/main" id="{B18F64BD-7FE5-AE32-BF55-F13CA3B36883}"/>
+              </a:ext>
+            </a:extLst>
+          </p:cNvPr>
+          <p:cNvPicPr>
+            <a:picLocks noChangeAspect="1" noChangeArrowheads="1"/>
+          </p:cNvPicPr>
+          <p:nvPr/>
+        </p:nvPicPr>
+        <p:blipFill>
+          <a:blip r:embed="rId3">
+            <a:extLst>
+              <a:ext uri="{28A0092B-C50C-407E-A947-70E740481C1C}">
+                <a14:useLocalDpi xmlns:a14="http://schemas.microsoft.com/office/drawing/2010/main" val="0"/>
+              </a:ext>
+            </a:extLst>
+          </a:blip>
+          <a:srcRect/>
+          <a:stretch>
+            <a:fillRect/>
+          </a:stretch>
+        </p:blipFill>
+        <p:spPr bwMode="auto">
           <a:xfrm>
-            <a:off x="7786687" y="6500812"/>
-            <a:ext cx="900000" cy="220800"/>
+            <a:off x="439209" y="1241977"/>
+            <a:ext cx="3371850" cy="1352550"/>
           </a:xfrm>
           <a:prstGeom prst="rect">
             <a:avLst/>
           </a:prstGeom>
+          <a:noFill/>
+          <a:extLst>
+            <a:ext uri="{909E8E84-426E-40DD-AFC4-6F175D3DCCD1}">
+              <a14:hiddenFill xmlns:a14="http://schemas.microsoft.com/office/drawing/2010/main">
+                <a:solidFill>
+                  <a:srgbClr val="FFFFFF"/>
+                </a:solidFill>
+              </a14:hiddenFill>
+            </a:ext>
+          </a:extLst>
         </p:spPr>
-        <p:txBody>
-          <a:bodyPr spcFirstLastPara="1" wrap="square" lIns="91425" tIns="45700" rIns="91425" bIns="45700" anchor="ctr" anchorCtr="0">
-            <a:noAutofit/>
-          </a:bodyPr>
-          <a:lstStyle/>
-          <a:p>
-            <a:pPr marL="0" lvl="0" indent="0" algn="r" rtl="0">
-              <a:spcBef>
-                <a:spcPts val="0"/>
-              </a:spcBef>
-              <a:spcAft>
-                <a:spcPts val="0"/>
-              </a:spcAft>
-              <a:buClr>
-                <a:srgbClr val="898989"/>
-              </a:buClr>
-              <a:buSzPts val="1200"/>
-              <a:buFont typeface="Calibri"/>
-              <a:buNone/>
-            </a:pPr>
-            <a:fld id="{00000000-1234-1234-1234-123412341234}" type="slidenum">
-              <a:rPr lang="en-GB"/>
-              <a:t>8</a:t>
-            </a:fld>
-            <a:endParaRPr/>
-          </a:p>
-        </p:txBody>
-      </p:sp>
+      </p:pic>
       <p:pic>
         <p:nvPicPr>
-          <p:cNvPr id="3" name="Picture 2" descr="A group of arrows and symbols&#10;&#10;AI-generated content may be incorrect.">
+          <p:cNvPr id="9" name="Picture 8">
             <a:extLst>
               <a:ext uri="{FF2B5EF4-FFF2-40B4-BE49-F238E27FC236}">
-                <a16:creationId xmlns:a16="http://schemas.microsoft.com/office/drawing/2014/main" id="{390634CC-0674-847D-72AB-556DCBCA3D2A}"/>
+                <a16:creationId xmlns:a16="http://schemas.microsoft.com/office/drawing/2014/main" id="{7E802F62-1DB0-6008-89FB-B19D68D63733}"/>
               </a:ext>
             </a:extLst>
           </p:cNvPr>
@@ -16404,15 +17957,15 @@
           <p:nvPr/>
         </p:nvPicPr>
         <p:blipFill>
-          <a:blip r:embed="rId3"/>
+          <a:blip r:embed="rId4"/>
           <a:stretch>
             <a:fillRect/>
           </a:stretch>
         </p:blipFill>
         <p:spPr>
           <a:xfrm>
-            <a:off x="0" y="2131695"/>
-            <a:ext cx="9144000" cy="2594610"/>
+            <a:off x="1214414" y="2718103"/>
+            <a:ext cx="6041152" cy="2908581"/>
           </a:xfrm>
           <a:prstGeom prst="rect">
             <a:avLst/>
@@ -16421,10 +17974,10 @@
       </p:pic>
       <p:sp>
         <p:nvSpPr>
-          <p:cNvPr id="4" name="TextBox 3">
+          <p:cNvPr id="10" name="TextBox 9">
             <a:extLst>
               <a:ext uri="{FF2B5EF4-FFF2-40B4-BE49-F238E27FC236}">
-                <a16:creationId xmlns:a16="http://schemas.microsoft.com/office/drawing/2014/main" id="{12C65F8C-965F-7AB2-C3BE-D2E9181557FC}"/>
+                <a16:creationId xmlns:a16="http://schemas.microsoft.com/office/drawing/2014/main" id="{363AFD1D-A493-7C9F-DD45-7725764D3AC4}"/>
               </a:ext>
             </a:extLst>
           </p:cNvPr>
@@ -16433,8 +17986,8 @@
         </p:nvSpPr>
         <p:spPr>
           <a:xfrm>
-            <a:off x="1976284" y="5112774"/>
-            <a:ext cx="4712751" cy="523220"/>
+            <a:off x="1737508" y="5616023"/>
+            <a:ext cx="5191432" cy="523220"/>
           </a:xfrm>
           <a:prstGeom prst="rect">
             <a:avLst/>
@@ -16447,25 +18000,153 @@
           </a:bodyPr>
           <a:lstStyle/>
           <a:p>
-            <a:pPr algn="ctr"/>
             <a:r>
               <a:rPr lang="en-GB" dirty="0">
                 <a:latin typeface="Calibri" panose="020F0502020204030204" pitchFamily="34" charset="0"/>
                 <a:cs typeface="Calibri" panose="020F0502020204030204" pitchFamily="34" charset="0"/>
               </a:rPr>
-              <a:t>High-level architecture of the application</a:t>
+              <a:t>High-level comparison of the software components of traditional VMs (a), containers (b), containers in VMs (c) with </a:t>
             </a:r>
-          </a:p>
-          <a:p>
+            <a:r>
+              <a:rPr lang="en-GB" dirty="0" err="1">
+                <a:latin typeface="Calibri" panose="020F0502020204030204" pitchFamily="34" charset="0"/>
+                <a:cs typeface="Calibri" panose="020F0502020204030204" pitchFamily="34" charset="0"/>
+              </a:rPr>
+              <a:t>unikernels</a:t>
+            </a:r>
+            <a:r>
+              <a:rPr lang="en-GB" dirty="0">
+                <a:latin typeface="Calibri" panose="020F0502020204030204" pitchFamily="34" charset="0"/>
+                <a:cs typeface="Calibri" panose="020F0502020204030204" pitchFamily="34" charset="0"/>
+              </a:rPr>
+              <a:t> (d)</a:t>
+            </a:r>
+            <a:r>
+              <a:rPr lang="en-GB" baseline="30000" dirty="0">
+                <a:latin typeface="Calibri" panose="020F0502020204030204" pitchFamily="34" charset="0"/>
+                <a:cs typeface="Calibri" panose="020F0502020204030204" pitchFamily="34" charset="0"/>
+              </a:rPr>
+              <a:t>[5]</a:t>
+            </a:r>
             <a:endParaRPr lang="en-GB" dirty="0"/>
           </a:p>
         </p:txBody>
       </p:sp>
     </p:spTree>
+    <p:extLst>
+      <p:ext uri="{BB962C8B-B14F-4D97-AF65-F5344CB8AC3E}">
+        <p14:creationId xmlns:p14="http://schemas.microsoft.com/office/powerpoint/2010/main" val="2002373182"/>
+      </p:ext>
+    </p:extLst>
   </p:cSld>
   <p:clrMapOvr>
     <a:masterClrMapping/>
   </p:clrMapOvr>
+  <p:timing>
+    <p:tnLst>
+      <p:par>
+        <p:cTn id="1" dur="indefinite" restart="never" nodeType="tmRoot">
+          <p:childTnLst>
+            <p:seq concurrent="1" nextAc="seek">
+              <p:cTn id="2" dur="indefinite" nodeType="mainSeq">
+                <p:childTnLst>
+                  <p:par>
+                    <p:cTn id="3" fill="hold">
+                      <p:stCondLst>
+                        <p:cond delay="indefinite"/>
+                      </p:stCondLst>
+                      <p:childTnLst>
+                        <p:par>
+                          <p:cTn id="4" fill="hold">
+                            <p:stCondLst>
+                              <p:cond delay="0"/>
+                            </p:stCondLst>
+                            <p:childTnLst>
+                              <p:par>
+                                <p:cTn id="5" presetID="1" presetClass="entr" presetSubtype="0" fill="hold" nodeType="clickEffect">
+                                  <p:stCondLst>
+                                    <p:cond delay="0"/>
+                                  </p:stCondLst>
+                                  <p:childTnLst>
+                                    <p:set>
+                                      <p:cBhvr>
+                                        <p:cTn id="6" dur="1" fill="hold">
+                                          <p:stCondLst>
+                                            <p:cond delay="0"/>
+                                          </p:stCondLst>
+                                        </p:cTn>
+                                        <p:tgtEl>
+                                          <p:spTgt spid="9"/>
+                                        </p:tgtEl>
+                                        <p:attrNameLst>
+                                          <p:attrName>style.visibility</p:attrName>
+                                        </p:attrNameLst>
+                                      </p:cBhvr>
+                                      <p:to>
+                                        <p:strVal val="visible"/>
+                                      </p:to>
+                                    </p:set>
+                                  </p:childTnLst>
+                                </p:cTn>
+                              </p:par>
+                              <p:par>
+                                <p:cTn id="7" presetID="1" presetClass="entr" presetSubtype="0" fill="hold" grpId="0" nodeType="withEffect">
+                                  <p:stCondLst>
+                                    <p:cond delay="0"/>
+                                  </p:stCondLst>
+                                  <p:childTnLst>
+                                    <p:set>
+                                      <p:cBhvr>
+                                        <p:cTn id="8" dur="1" fill="hold">
+                                          <p:stCondLst>
+                                            <p:cond delay="0"/>
+                                          </p:stCondLst>
+                                        </p:cTn>
+                                        <p:tgtEl>
+                                          <p:spTgt spid="10"/>
+                                        </p:tgtEl>
+                                        <p:attrNameLst>
+                                          <p:attrName>style.visibility</p:attrName>
+                                        </p:attrNameLst>
+                                      </p:cBhvr>
+                                      <p:to>
+                                        <p:strVal val="visible"/>
+                                      </p:to>
+                                    </p:set>
+                                  </p:childTnLst>
+                                </p:cTn>
+                              </p:par>
+                            </p:childTnLst>
+                          </p:cTn>
+                        </p:par>
+                      </p:childTnLst>
+                    </p:cTn>
+                  </p:par>
+                </p:childTnLst>
+              </p:cTn>
+              <p:prevCondLst>
+                <p:cond evt="onPrev" delay="0">
+                  <p:tgtEl>
+                    <p:sldTgt/>
+                  </p:tgtEl>
+                </p:cond>
+              </p:prevCondLst>
+              <p:nextCondLst>
+                <p:cond evt="onNext" delay="0">
+                  <p:tgtEl>
+                    <p:sldTgt/>
+                  </p:tgtEl>
+                </p:cond>
+              </p:nextCondLst>
+            </p:seq>
+          </p:childTnLst>
+        </p:cTn>
+      </p:par>
+    </p:tnLst>
+    <p:bldLst>
+      <p:bldP spid="10" grpId="0"/>
+    </p:bldLst>
+  </p:timing>
 </p:sld>
 </file>
 
@@ -16474,7 +18155,7 @@
   <p:cSld>
     <p:spTree>
       <p:nvGrpSpPr>
-        <p:cNvPr id="1" name="Shape 135"/>
+        <p:cNvPr id="1" name=""/>
         <p:cNvGrpSpPr/>
         <p:nvPr/>
       </p:nvGrpSpPr>
@@ -16488,69 +18169,52 @@
       </p:grpSpPr>
       <p:sp>
         <p:nvSpPr>
-          <p:cNvPr id="136" name="Google Shape;136;p22"/>
-          <p:cNvSpPr txBox="1">
+          <p:cNvPr id="2" name="Title 1">
+            <a:extLst>
+              <a:ext uri="{FF2B5EF4-FFF2-40B4-BE49-F238E27FC236}">
+                <a16:creationId xmlns:a16="http://schemas.microsoft.com/office/drawing/2014/main" id="{5CB3EC41-C9A7-ACC9-AA68-BA6DCE5A4DCA}"/>
+              </a:ext>
+            </a:extLst>
+          </p:cNvPr>
+          <p:cNvSpPr>
             <a:spLocks noGrp="1"/>
           </p:cNvSpPr>
           <p:nvPr>
             <p:ph type="title"/>
           </p:nvPr>
         </p:nvSpPr>
-        <p:spPr>
-          <a:xfrm>
-            <a:off x="1214414" y="131762"/>
-            <a:ext cx="7472400" cy="868200"/>
-          </a:xfrm>
-          <a:prstGeom prst="rect">
-            <a:avLst/>
-          </a:prstGeom>
-        </p:spPr>
+        <p:spPr/>
         <p:txBody>
-          <a:bodyPr spcFirstLastPara="1" wrap="square" lIns="91425" tIns="45700" rIns="91425" bIns="45700" anchor="ctr" anchorCtr="0">
-            <a:noAutofit/>
-          </a:bodyPr>
+          <a:bodyPr/>
           <a:lstStyle/>
           <a:p>
-            <a:pPr marL="0" lvl="0" indent="0" algn="r" rtl="0">
-              <a:spcBef>
-                <a:spcPts val="0"/>
-              </a:spcBef>
-              <a:spcAft>
-                <a:spcPts val="0"/>
-              </a:spcAft>
-              <a:buNone/>
-            </a:pPr>
             <a:r>
-              <a:rPr lang="en-GB" dirty="0"/>
-              <a:t>Status and Future Work</a:t>
+              <a:rPr lang="en-US" dirty="0"/>
+              <a:t>Use Case</a:t>
             </a:r>
-            <a:endParaRPr dirty="0"/>
+            <a:endParaRPr lang="en-GB" dirty="0"/>
           </a:p>
         </p:txBody>
       </p:sp>
       <p:sp>
         <p:nvSpPr>
-          <p:cNvPr id="138" name="Google Shape;138;p22"/>
-          <p:cNvSpPr txBox="1">
+          <p:cNvPr id="4" name="Slide Number Placeholder 3">
+            <a:extLst>
+              <a:ext uri="{FF2B5EF4-FFF2-40B4-BE49-F238E27FC236}">
+                <a16:creationId xmlns:a16="http://schemas.microsoft.com/office/drawing/2014/main" id="{FC14D7EF-64A9-9D4C-8640-8A45C402C763}"/>
+              </a:ext>
+            </a:extLst>
+          </p:cNvPr>
+          <p:cNvSpPr>
             <a:spLocks noGrp="1"/>
           </p:cNvSpPr>
           <p:nvPr>
             <p:ph type="sldNum" idx="12"/>
           </p:nvPr>
         </p:nvSpPr>
-        <p:spPr>
-          <a:xfrm>
-            <a:off x="7786687" y="6500812"/>
-            <a:ext cx="900000" cy="220800"/>
-          </a:xfrm>
-          <a:prstGeom prst="rect">
-            <a:avLst/>
-          </a:prstGeom>
-        </p:spPr>
+        <p:spPr/>
         <p:txBody>
-          <a:bodyPr spcFirstLastPara="1" wrap="square" lIns="91425" tIns="45700" rIns="91425" bIns="45700" anchor="ctr" anchorCtr="0">
-            <a:noAutofit/>
-          </a:bodyPr>
+          <a:bodyPr/>
           <a:lstStyle/>
           <a:p>
             <a:pPr marL="0" lvl="0" indent="0" algn="r" rtl="0">
@@ -16560,27 +18224,22 @@
               <a:spcAft>
                 <a:spcPts val="0"/>
               </a:spcAft>
-              <a:buClr>
-                <a:srgbClr val="898989"/>
-              </a:buClr>
-              <a:buSzPts val="1200"/>
-              <a:buFont typeface="Calibri"/>
               <a:buNone/>
             </a:pPr>
             <a:fld id="{00000000-1234-1234-1234-123412341234}" type="slidenum">
-              <a:rPr lang="en-GB"/>
+              <a:rPr lang="en-GB" smtClean="0"/>
               <a:t>9</a:t>
             </a:fld>
-            <a:endParaRPr/>
+            <a:endParaRPr lang="en-GB"/>
           </a:p>
         </p:txBody>
       </p:sp>
       <p:sp>
         <p:nvSpPr>
-          <p:cNvPr id="3" name="Rectangle 2">
+          <p:cNvPr id="5" name="Scroll: Vertical 4">
             <a:extLst>
               <a:ext uri="{FF2B5EF4-FFF2-40B4-BE49-F238E27FC236}">
-                <a16:creationId xmlns:a16="http://schemas.microsoft.com/office/drawing/2014/main" id="{FD9416CF-CF56-728B-063F-FD6A3ECF80CA}"/>
+                <a16:creationId xmlns:a16="http://schemas.microsoft.com/office/drawing/2014/main" id="{78347A95-AE0D-58F0-B46D-4530E86DD1C4}"/>
               </a:ext>
             </a:extLst>
           </p:cNvPr>
@@ -16589,78 +18248,10 @@
         </p:nvSpPr>
         <p:spPr>
           <a:xfrm>
-            <a:off x="516835" y="1406013"/>
-            <a:ext cx="8284102" cy="868200"/>
+            <a:off x="403122" y="1903841"/>
+            <a:ext cx="3322449" cy="3486787"/>
           </a:xfrm>
-          <a:prstGeom prst="rect">
-            <a:avLst/>
-          </a:prstGeom>
-          <a:solidFill>
-            <a:schemeClr val="accent1">
-              <a:lumMod val="40000"/>
-              <a:lumOff val="60000"/>
-            </a:schemeClr>
-          </a:solidFill>
-        </p:spPr>
-        <p:style>
-          <a:lnRef idx="2">
-            <a:schemeClr val="accent1">
-              <a:shade val="15000"/>
-            </a:schemeClr>
-          </a:lnRef>
-          <a:fillRef idx="1">
-            <a:schemeClr val="accent1"/>
-          </a:fillRef>
-          <a:effectRef idx="0">
-            <a:schemeClr val="accent1"/>
-          </a:effectRef>
-          <a:fontRef idx="minor">
-            <a:schemeClr val="lt1"/>
-          </a:fontRef>
-        </p:style>
-        <p:txBody>
-          <a:bodyPr rtlCol="0" anchor="ctr"/>
-          <a:lstStyle/>
-          <a:p>
-            <a:pPr algn="ctr"/>
-            <a:r>
-              <a:rPr lang="en-US" sz="3600" b="1" dirty="0">
-                <a:solidFill>
-                  <a:schemeClr val="bg2"/>
-                </a:solidFill>
-                <a:latin typeface="Calibri" panose="020F0502020204030204" pitchFamily="34" charset="0"/>
-                <a:cs typeface="Calibri" panose="020F0502020204030204" pitchFamily="34" charset="0"/>
-              </a:rPr>
-              <a:t>ROADMAP</a:t>
-            </a:r>
-            <a:endParaRPr lang="en-GB" sz="3600" b="1" dirty="0">
-              <a:solidFill>
-                <a:schemeClr val="bg2"/>
-              </a:solidFill>
-              <a:latin typeface="Calibri" panose="020F0502020204030204" pitchFamily="34" charset="0"/>
-              <a:cs typeface="Calibri" panose="020F0502020204030204" pitchFamily="34" charset="0"/>
-            </a:endParaRPr>
-          </a:p>
-        </p:txBody>
-      </p:sp>
-      <p:sp>
-        <p:nvSpPr>
-          <p:cNvPr id="4" name="Arrow: Chevron 3">
-            <a:extLst>
-              <a:ext uri="{FF2B5EF4-FFF2-40B4-BE49-F238E27FC236}">
-                <a16:creationId xmlns:a16="http://schemas.microsoft.com/office/drawing/2014/main" id="{AFF13DAB-DDFD-4846-4711-6A734AF14CCF}"/>
-              </a:ext>
-            </a:extLst>
-          </p:cNvPr>
-          <p:cNvSpPr/>
-          <p:nvPr/>
-        </p:nvSpPr>
-        <p:spPr>
-          <a:xfrm>
-            <a:off x="516835" y="2555261"/>
-            <a:ext cx="1610139" cy="1116000"/>
-          </a:xfrm>
-          <a:prstGeom prst="chevron">
+          <a:prstGeom prst="verticalScroll">
             <a:avLst/>
           </a:prstGeom>
         </p:spPr>
@@ -16684,23 +18275,174 @@
           <a:bodyPr rtlCol="0" anchor="ctr"/>
           <a:lstStyle/>
           <a:p>
-            <a:pPr algn="ctr"/>
-            <a:endParaRPr lang="en-GB" sz="1200" dirty="0">
-              <a:solidFill>
-                <a:schemeClr val="bg1"/>
-              </a:solidFill>
+            <a:r>
+              <a:rPr lang="en-GB" sz="1800" dirty="0">
+                <a:latin typeface="Calibri" panose="020F0502020204030204" pitchFamily="34" charset="0"/>
+                <a:cs typeface="Calibri" panose="020F0502020204030204" pitchFamily="34" charset="0"/>
+              </a:rPr>
+              <a:t>spec: v0.6</a:t>
+            </a:r>
+          </a:p>
+          <a:p>
+            <a:endParaRPr lang="en-GB" sz="1800" dirty="0">
               <a:latin typeface="Calibri" panose="020F0502020204030204" pitchFamily="34" charset="0"/>
               <a:cs typeface="Calibri" panose="020F0502020204030204" pitchFamily="34" charset="0"/>
             </a:endParaRPr>
+          </a:p>
+          <a:p>
+            <a:r>
+              <a:rPr lang="en-GB" sz="1800" dirty="0">
+                <a:latin typeface="Calibri" panose="020F0502020204030204" pitchFamily="34" charset="0"/>
+                <a:cs typeface="Calibri" panose="020F0502020204030204" pitchFamily="34" charset="0"/>
+              </a:rPr>
+              <a:t>runtime: </a:t>
+            </a:r>
+            <a:r>
+              <a:rPr lang="en-GB" sz="1800" dirty="0" err="1">
+                <a:latin typeface="Calibri" panose="020F0502020204030204" pitchFamily="34" charset="0"/>
+                <a:cs typeface="Calibri" panose="020F0502020204030204" pitchFamily="34" charset="0"/>
+              </a:rPr>
+              <a:t>base:latest</a:t>
+            </a:r>
+            <a:endParaRPr lang="en-GB" sz="1800" dirty="0">
+              <a:latin typeface="Calibri" panose="020F0502020204030204" pitchFamily="34" charset="0"/>
+              <a:cs typeface="Calibri" panose="020F0502020204030204" pitchFamily="34" charset="0"/>
+            </a:endParaRPr>
+          </a:p>
+          <a:p>
+            <a:endParaRPr lang="en-GB" sz="1800" dirty="0">
+              <a:latin typeface="Calibri" panose="020F0502020204030204" pitchFamily="34" charset="0"/>
+              <a:cs typeface="Calibri" panose="020F0502020204030204" pitchFamily="34" charset="0"/>
+            </a:endParaRPr>
+          </a:p>
+          <a:p>
+            <a:r>
+              <a:rPr lang="en-GB" sz="1800" dirty="0" err="1">
+                <a:latin typeface="Calibri" panose="020F0502020204030204" pitchFamily="34" charset="0"/>
+                <a:cs typeface="Calibri" panose="020F0502020204030204" pitchFamily="34" charset="0"/>
+              </a:rPr>
+              <a:t>rootfs</a:t>
+            </a:r>
+            <a:r>
+              <a:rPr lang="en-GB" sz="1800" dirty="0">
+                <a:latin typeface="Calibri" panose="020F0502020204030204" pitchFamily="34" charset="0"/>
+                <a:cs typeface="Calibri" panose="020F0502020204030204" pitchFamily="34" charset="0"/>
+              </a:rPr>
+              <a:t>: ./</a:t>
+            </a:r>
+            <a:r>
+              <a:rPr lang="en-GB" sz="1800" dirty="0" err="1">
+                <a:latin typeface="Calibri" panose="020F0502020204030204" pitchFamily="34" charset="0"/>
+                <a:cs typeface="Calibri" panose="020F0502020204030204" pitchFamily="34" charset="0"/>
+              </a:rPr>
+              <a:t>Dockerfile</a:t>
+            </a:r>
+            <a:endParaRPr lang="en-GB" sz="1800" dirty="0">
+              <a:latin typeface="Calibri" panose="020F0502020204030204" pitchFamily="34" charset="0"/>
+              <a:cs typeface="Calibri" panose="020F0502020204030204" pitchFamily="34" charset="0"/>
+            </a:endParaRPr>
+          </a:p>
+          <a:p>
+            <a:endParaRPr lang="en-GB" sz="1800" dirty="0">
+              <a:latin typeface="Calibri" panose="020F0502020204030204" pitchFamily="34" charset="0"/>
+              <a:cs typeface="Calibri" panose="020F0502020204030204" pitchFamily="34" charset="0"/>
+            </a:endParaRPr>
+          </a:p>
+          <a:p>
+            <a:r>
+              <a:rPr lang="en-GB" sz="1800" dirty="0" err="1">
+                <a:latin typeface="Calibri" panose="020F0502020204030204" pitchFamily="34" charset="0"/>
+                <a:cs typeface="Calibri" panose="020F0502020204030204" pitchFamily="34" charset="0"/>
+              </a:rPr>
+              <a:t>cmd</a:t>
+            </a:r>
+            <a:r>
+              <a:rPr lang="en-GB" sz="1800" dirty="0">
+                <a:latin typeface="Calibri" panose="020F0502020204030204" pitchFamily="34" charset="0"/>
+                <a:cs typeface="Calibri" panose="020F0502020204030204" pitchFamily="34" charset="0"/>
+              </a:rPr>
+              <a:t>: ["/</a:t>
+            </a:r>
+            <a:r>
+              <a:rPr lang="en-GB" sz="1800" dirty="0" err="1">
+                <a:latin typeface="Calibri" panose="020F0502020204030204" pitchFamily="34" charset="0"/>
+                <a:cs typeface="Calibri" panose="020F0502020204030204" pitchFamily="34" charset="0"/>
+              </a:rPr>
+              <a:t>helloworld</a:t>
+            </a:r>
+            <a:r>
+              <a:rPr lang="en-GB" sz="1800" dirty="0">
+                <a:latin typeface="Calibri" panose="020F0502020204030204" pitchFamily="34" charset="0"/>
+                <a:cs typeface="Calibri" panose="020F0502020204030204" pitchFamily="34" charset="0"/>
+              </a:rPr>
+              <a:t>"]</a:t>
+            </a:r>
           </a:p>
         </p:txBody>
       </p:sp>
       <p:sp>
         <p:nvSpPr>
-          <p:cNvPr id="8" name="Arrow: Chevron 7">
+          <p:cNvPr id="6" name="TextBox 5">
             <a:extLst>
               <a:ext uri="{FF2B5EF4-FFF2-40B4-BE49-F238E27FC236}">
-                <a16:creationId xmlns:a16="http://schemas.microsoft.com/office/drawing/2014/main" id="{15FF2089-8048-109B-C963-2A93D6E6E1C5}"/>
+                <a16:creationId xmlns:a16="http://schemas.microsoft.com/office/drawing/2014/main" id="{5BE1925D-CB3A-E0BA-1DAE-2C0D54C3351D}"/>
+              </a:ext>
+            </a:extLst>
+          </p:cNvPr>
+          <p:cNvSpPr txBox="1"/>
+          <p:nvPr/>
+        </p:nvSpPr>
+        <p:spPr>
+          <a:xfrm>
+            <a:off x="929148" y="5526157"/>
+            <a:ext cx="7896800" cy="344981"/>
+          </a:xfrm>
+          <a:prstGeom prst="rect">
+            <a:avLst/>
+          </a:prstGeom>
+          <a:noFill/>
+        </p:spPr>
+        <p:txBody>
+          <a:bodyPr wrap="square" rtlCol="0">
+            <a:spAutoFit/>
+          </a:bodyPr>
+          <a:lstStyle/>
+          <a:p>
+            <a:r>
+              <a:rPr lang="en-US" sz="1600" dirty="0" err="1">
+                <a:latin typeface="Calibri" panose="020F0502020204030204" pitchFamily="34" charset="0"/>
+                <a:cs typeface="Calibri" panose="020F0502020204030204" pitchFamily="34" charset="0"/>
+              </a:rPr>
+              <a:t>Kraftfile</a:t>
+            </a:r>
+            <a:r>
+              <a:rPr lang="en-US" sz="1600" dirty="0">
+                <a:latin typeface="Calibri" panose="020F0502020204030204" pitchFamily="34" charset="0"/>
+                <a:cs typeface="Calibri" panose="020F0502020204030204" pitchFamily="34" charset="0"/>
+              </a:rPr>
+              <a:t> for hello-world in C</a:t>
+            </a:r>
+            <a:r>
+              <a:rPr lang="en-US" sz="1600" baseline="30000" dirty="0">
+                <a:latin typeface="Calibri" panose="020F0502020204030204" pitchFamily="34" charset="0"/>
+                <a:cs typeface="Calibri" panose="020F0502020204030204" pitchFamily="34" charset="0"/>
+              </a:rPr>
+              <a:t>[6</a:t>
+            </a:r>
+            <a:r>
+              <a:rPr lang="en-US" baseline="30000" dirty="0"/>
+              <a:t>]</a:t>
+            </a:r>
+            <a:endParaRPr lang="en-GB" dirty="0"/>
+          </a:p>
+        </p:txBody>
+      </p:sp>
+      <p:sp>
+        <p:nvSpPr>
+          <p:cNvPr id="7" name="Oval 6">
+            <a:extLst>
+              <a:ext uri="{FF2B5EF4-FFF2-40B4-BE49-F238E27FC236}">
+                <a16:creationId xmlns:a16="http://schemas.microsoft.com/office/drawing/2014/main" id="{8218EB86-E759-D611-8867-ADF5ABC80293}"/>
               </a:ext>
             </a:extLst>
           </p:cNvPr>
@@ -16709,12 +18451,18 @@
         </p:nvSpPr>
         <p:spPr>
           <a:xfrm>
-            <a:off x="2185326" y="2555261"/>
-            <a:ext cx="1610139" cy="1116000"/>
+            <a:off x="1528916" y="3736259"/>
+            <a:ext cx="1199535" cy="639097"/>
           </a:xfrm>
-          <a:prstGeom prst="chevron">
+          <a:prstGeom prst="ellipse">
             <a:avLst/>
           </a:prstGeom>
+          <a:noFill/>
+          <a:ln>
+            <a:solidFill>
+              <a:srgbClr val="FF0000"/>
+            </a:solidFill>
+          </a:ln>
         </p:spPr>
         <p:style>
           <a:lnRef idx="2">
@@ -16737,178 +18485,65 @@
           <a:lstStyle/>
           <a:p>
             <a:pPr algn="ctr"/>
-            <a:endParaRPr lang="en-GB" dirty="0">
+            <a:endParaRPr lang="en-GB">
               <a:solidFill>
-                <a:schemeClr val="bg1"/>
+                <a:srgbClr val="FF0000"/>
               </a:solidFill>
-              <a:latin typeface="Calibri" panose="020F0502020204030204" pitchFamily="34" charset="0"/>
-              <a:cs typeface="Calibri" panose="020F0502020204030204" pitchFamily="34" charset="0"/>
             </a:endParaRPr>
           </a:p>
         </p:txBody>
       </p:sp>
-      <p:sp>
-        <p:nvSpPr>
-          <p:cNvPr id="9" name="Arrow: Chevron 8">
+      <p:cxnSp>
+        <p:nvCxnSpPr>
+          <p:cNvPr id="9" name="Straight Arrow Connector 8">
             <a:extLst>
               <a:ext uri="{FF2B5EF4-FFF2-40B4-BE49-F238E27FC236}">
-                <a16:creationId xmlns:a16="http://schemas.microsoft.com/office/drawing/2014/main" id="{E52B6645-494C-8C49-FA80-F17EF9408140}"/>
+                <a16:creationId xmlns:a16="http://schemas.microsoft.com/office/drawing/2014/main" id="{1C1CD57A-09D9-D95F-FBCA-ADE500DA3B98}"/>
               </a:ext>
             </a:extLst>
           </p:cNvPr>
-          <p:cNvSpPr/>
+          <p:cNvCxnSpPr>
+            <a:cxnSpLocks/>
+            <a:stCxn id="7" idx="6"/>
+          </p:cNvCxnSpPr>
           <p:nvPr/>
-        </p:nvSpPr>
+        </p:nvCxnSpPr>
         <p:spPr>
-          <a:xfrm>
-            <a:off x="3853816" y="2555261"/>
-            <a:ext cx="1610139" cy="1116000"/>
+          <a:xfrm flipV="1">
+            <a:off x="2728451" y="3625554"/>
+            <a:ext cx="2507226" cy="430254"/>
           </a:xfrm>
-          <a:prstGeom prst="chevron">
+          <a:prstGeom prst="straightConnector1">
             <a:avLst/>
           </a:prstGeom>
+          <a:ln w="38100">
+            <a:solidFill>
+              <a:srgbClr val="FF0000"/>
+            </a:solidFill>
+            <a:tailEnd type="triangle"/>
+          </a:ln>
         </p:spPr>
         <p:style>
-          <a:lnRef idx="2">
-            <a:schemeClr val="accent1">
-              <a:shade val="15000"/>
-            </a:schemeClr>
+          <a:lnRef idx="1">
+            <a:schemeClr val="accent1"/>
           </a:lnRef>
-          <a:fillRef idx="1">
+          <a:fillRef idx="0">
             <a:schemeClr val="accent1"/>
           </a:fillRef>
           <a:effectRef idx="0">
             <a:schemeClr val="accent1"/>
           </a:effectRef>
           <a:fontRef idx="minor">
-            <a:schemeClr val="lt1"/>
+            <a:schemeClr val="tx1"/>
           </a:fontRef>
         </p:style>
-        <p:txBody>
-          <a:bodyPr rtlCol="0" anchor="ctr"/>
-          <a:lstStyle/>
-          <a:p>
-            <a:pPr algn="ctr"/>
-            <a:endParaRPr lang="en-GB" sz="1200" dirty="0">
-              <a:solidFill>
-                <a:schemeClr val="bg1"/>
-              </a:solidFill>
-              <a:latin typeface="Calibri" panose="020F0502020204030204" pitchFamily="34" charset="0"/>
-              <a:cs typeface="Calibri" panose="020F0502020204030204" pitchFamily="34" charset="0"/>
-            </a:endParaRPr>
-          </a:p>
-        </p:txBody>
-      </p:sp>
+      </p:cxnSp>
       <p:sp>
         <p:nvSpPr>
-          <p:cNvPr id="10" name="Arrow: Chevron 9">
+          <p:cNvPr id="11" name="TextBox 10">
             <a:extLst>
               <a:ext uri="{FF2B5EF4-FFF2-40B4-BE49-F238E27FC236}">
-                <a16:creationId xmlns:a16="http://schemas.microsoft.com/office/drawing/2014/main" id="{B34E72DD-A7AE-ED89-E1A1-C6073FC380CA}"/>
-              </a:ext>
-            </a:extLst>
-          </p:cNvPr>
-          <p:cNvSpPr/>
-          <p:nvPr/>
-        </p:nvSpPr>
-        <p:spPr>
-          <a:xfrm>
-            <a:off x="5522308" y="2555261"/>
-            <a:ext cx="1610139" cy="1116000"/>
-          </a:xfrm>
-          <a:prstGeom prst="chevron">
-            <a:avLst/>
-          </a:prstGeom>
-        </p:spPr>
-        <p:style>
-          <a:lnRef idx="2">
-            <a:schemeClr val="accent1">
-              <a:shade val="15000"/>
-            </a:schemeClr>
-          </a:lnRef>
-          <a:fillRef idx="1">
-            <a:schemeClr val="accent1"/>
-          </a:fillRef>
-          <a:effectRef idx="0">
-            <a:schemeClr val="accent1"/>
-          </a:effectRef>
-          <a:fontRef idx="minor">
-            <a:schemeClr val="lt1"/>
-          </a:fontRef>
-        </p:style>
-        <p:txBody>
-          <a:bodyPr rtlCol="0" anchor="ctr"/>
-          <a:lstStyle/>
-          <a:p>
-            <a:pPr algn="ctr"/>
-            <a:endParaRPr lang="en-GB" sz="1200" dirty="0">
-              <a:solidFill>
-                <a:schemeClr val="bg1"/>
-              </a:solidFill>
-              <a:latin typeface="Calibri" panose="020F0502020204030204" pitchFamily="34" charset="0"/>
-              <a:cs typeface="Calibri" panose="020F0502020204030204" pitchFamily="34" charset="0"/>
-            </a:endParaRPr>
-          </a:p>
-        </p:txBody>
-      </p:sp>
-      <p:sp>
-        <p:nvSpPr>
-          <p:cNvPr id="11" name="Arrow: Chevron 10">
-            <a:extLst>
-              <a:ext uri="{FF2B5EF4-FFF2-40B4-BE49-F238E27FC236}">
-                <a16:creationId xmlns:a16="http://schemas.microsoft.com/office/drawing/2014/main" id="{A567A26D-B895-23A2-FCEB-38B1058F4B1E}"/>
-              </a:ext>
-            </a:extLst>
-          </p:cNvPr>
-          <p:cNvSpPr/>
-          <p:nvPr/>
-        </p:nvSpPr>
-        <p:spPr>
-          <a:xfrm>
-            <a:off x="7190799" y="2555261"/>
-            <a:ext cx="1610139" cy="1116000"/>
-          </a:xfrm>
-          <a:prstGeom prst="chevron">
-            <a:avLst/>
-          </a:prstGeom>
-        </p:spPr>
-        <p:style>
-          <a:lnRef idx="2">
-            <a:schemeClr val="accent1">
-              <a:shade val="15000"/>
-            </a:schemeClr>
-          </a:lnRef>
-          <a:fillRef idx="1">
-            <a:schemeClr val="accent1"/>
-          </a:fillRef>
-          <a:effectRef idx="0">
-            <a:schemeClr val="accent1"/>
-          </a:effectRef>
-          <a:fontRef idx="minor">
-            <a:schemeClr val="lt1"/>
-          </a:fontRef>
-        </p:style>
-        <p:txBody>
-          <a:bodyPr rtlCol="0" anchor="ctr"/>
-          <a:lstStyle/>
-          <a:p>
-            <a:pPr algn="ctr"/>
-            <a:endParaRPr lang="en-GB" sz="1200" dirty="0">
-              <a:solidFill>
-                <a:schemeClr val="bg1"/>
-              </a:solidFill>
-              <a:latin typeface="Calibri" panose="020F0502020204030204" pitchFamily="34" charset="0"/>
-              <a:cs typeface="Calibri" panose="020F0502020204030204" pitchFamily="34" charset="0"/>
-            </a:endParaRPr>
-          </a:p>
-        </p:txBody>
-      </p:sp>
-      <p:sp>
-        <p:nvSpPr>
-          <p:cNvPr id="12" name="TextBox 11">
-            <a:extLst>
-              <a:ext uri="{FF2B5EF4-FFF2-40B4-BE49-F238E27FC236}">
-                <a16:creationId xmlns:a16="http://schemas.microsoft.com/office/drawing/2014/main" id="{5398BB58-EEF1-487F-941B-02070E6D0E18}"/>
+                <a16:creationId xmlns:a16="http://schemas.microsoft.com/office/drawing/2014/main" id="{1A0CABAE-3F29-3558-4EFD-246A6B68B7CA}"/>
               </a:ext>
             </a:extLst>
           </p:cNvPr>
@@ -16917,8 +18552,8 @@
         </p:nvSpPr>
         <p:spPr>
           <a:xfrm>
-            <a:off x="1043609" y="2851651"/>
-            <a:ext cx="1083365" cy="523220"/>
+            <a:off x="5235677" y="3454015"/>
+            <a:ext cx="2325329" cy="307777"/>
           </a:xfrm>
           <a:prstGeom prst="rect">
             <a:avLst/>
@@ -16932,483 +18567,160 @@
           <a:lstStyle/>
           <a:p>
             <a:r>
-              <a:rPr lang="en-US" dirty="0">
-                <a:solidFill>
-                  <a:schemeClr val="bg1"/>
-                </a:solidFill>
-                <a:latin typeface="Calibri" panose="020F0502020204030204" pitchFamily="34" charset="0"/>
-                <a:cs typeface="Calibri" panose="020F0502020204030204" pitchFamily="34" charset="0"/>
-              </a:rPr>
-              <a:t>December - February</a:t>
-            </a:r>
-            <a:endParaRPr lang="en-GB" dirty="0">
-              <a:solidFill>
-                <a:schemeClr val="bg1"/>
-              </a:solidFill>
-              <a:latin typeface="Calibri" panose="020F0502020204030204" pitchFamily="34" charset="0"/>
-              <a:cs typeface="Calibri" panose="020F0502020204030204" pitchFamily="34" charset="0"/>
-            </a:endParaRPr>
-          </a:p>
-        </p:txBody>
-      </p:sp>
-      <p:sp>
-        <p:nvSpPr>
-          <p:cNvPr id="13" name="TextBox 12">
-            <a:extLst>
-              <a:ext uri="{FF2B5EF4-FFF2-40B4-BE49-F238E27FC236}">
-                <a16:creationId xmlns:a16="http://schemas.microsoft.com/office/drawing/2014/main" id="{664AFFEA-189E-0A3C-C4B4-9E3738F59CB2}"/>
-              </a:ext>
-            </a:extLst>
-          </p:cNvPr>
-          <p:cNvSpPr txBox="1"/>
-          <p:nvPr/>
-        </p:nvSpPr>
-        <p:spPr>
-          <a:xfrm>
-            <a:off x="2744804" y="2946943"/>
-            <a:ext cx="1415845" cy="307777"/>
-          </a:xfrm>
-          <a:prstGeom prst="rect">
-            <a:avLst/>
-          </a:prstGeom>
-          <a:noFill/>
-        </p:spPr>
-        <p:txBody>
-          <a:bodyPr wrap="square" rtlCol="0">
-            <a:spAutoFit/>
-          </a:bodyPr>
-          <a:lstStyle/>
-          <a:p>
-            <a:r>
-              <a:rPr lang="en-US" dirty="0">
-                <a:solidFill>
-                  <a:schemeClr val="bg1"/>
-                </a:solidFill>
-                <a:latin typeface="Calibri" panose="020F0502020204030204" pitchFamily="34" charset="0"/>
-                <a:cs typeface="Calibri" panose="020F0502020204030204" pitchFamily="34" charset="0"/>
-              </a:rPr>
-              <a:t>March</a:t>
-            </a:r>
-            <a:endParaRPr lang="en-GB" dirty="0">
-              <a:solidFill>
-                <a:schemeClr val="bg1"/>
-              </a:solidFill>
-              <a:latin typeface="Calibri" panose="020F0502020204030204" pitchFamily="34" charset="0"/>
-              <a:cs typeface="Calibri" panose="020F0502020204030204" pitchFamily="34" charset="0"/>
-            </a:endParaRPr>
-          </a:p>
-        </p:txBody>
-      </p:sp>
-      <p:sp>
-        <p:nvSpPr>
-          <p:cNvPr id="14" name="TextBox 13">
-            <a:extLst>
-              <a:ext uri="{FF2B5EF4-FFF2-40B4-BE49-F238E27FC236}">
-                <a16:creationId xmlns:a16="http://schemas.microsoft.com/office/drawing/2014/main" id="{1F9E1259-C343-6B6D-E626-2132E214901C}"/>
-              </a:ext>
-            </a:extLst>
-          </p:cNvPr>
-          <p:cNvSpPr txBox="1"/>
-          <p:nvPr/>
-        </p:nvSpPr>
-        <p:spPr>
-          <a:xfrm>
-            <a:off x="4501465" y="2959372"/>
-            <a:ext cx="1415845" cy="307777"/>
-          </a:xfrm>
-          <a:prstGeom prst="rect">
-            <a:avLst/>
-          </a:prstGeom>
-          <a:noFill/>
-        </p:spPr>
-        <p:txBody>
-          <a:bodyPr wrap="square" rtlCol="0">
-            <a:spAutoFit/>
-          </a:bodyPr>
-          <a:lstStyle/>
-          <a:p>
-            <a:r>
-              <a:rPr lang="en-US" dirty="0">
-                <a:solidFill>
-                  <a:schemeClr val="bg1"/>
-                </a:solidFill>
-                <a:latin typeface="Calibri" panose="020F0502020204030204" pitchFamily="34" charset="0"/>
-                <a:cs typeface="Calibri" panose="020F0502020204030204" pitchFamily="34" charset="0"/>
-              </a:rPr>
-              <a:t>April</a:t>
-            </a:r>
-            <a:endParaRPr lang="en-GB" dirty="0">
-              <a:solidFill>
-                <a:schemeClr val="bg1"/>
-              </a:solidFill>
-              <a:latin typeface="Calibri" panose="020F0502020204030204" pitchFamily="34" charset="0"/>
-              <a:cs typeface="Calibri" panose="020F0502020204030204" pitchFamily="34" charset="0"/>
-            </a:endParaRPr>
-          </a:p>
-        </p:txBody>
-      </p:sp>
-      <p:sp>
-        <p:nvSpPr>
-          <p:cNvPr id="15" name="TextBox 14">
-            <a:extLst>
-              <a:ext uri="{FF2B5EF4-FFF2-40B4-BE49-F238E27FC236}">
-                <a16:creationId xmlns:a16="http://schemas.microsoft.com/office/drawing/2014/main" id="{7EC33811-D11C-33C2-02DC-07867CFF4684}"/>
-              </a:ext>
-            </a:extLst>
-          </p:cNvPr>
-          <p:cNvSpPr txBox="1"/>
-          <p:nvPr/>
-        </p:nvSpPr>
-        <p:spPr>
-          <a:xfrm>
-            <a:off x="6205865" y="2946944"/>
-            <a:ext cx="1415845" cy="307777"/>
-          </a:xfrm>
-          <a:prstGeom prst="rect">
-            <a:avLst/>
-          </a:prstGeom>
-          <a:noFill/>
-        </p:spPr>
-        <p:txBody>
-          <a:bodyPr wrap="square" rtlCol="0">
-            <a:spAutoFit/>
-          </a:bodyPr>
-          <a:lstStyle/>
-          <a:p>
-            <a:r>
-              <a:rPr lang="en-US" dirty="0">
-                <a:solidFill>
-                  <a:schemeClr val="bg1"/>
-                </a:solidFill>
-                <a:latin typeface="Calibri" panose="020F0502020204030204" pitchFamily="34" charset="0"/>
-                <a:cs typeface="Calibri" panose="020F0502020204030204" pitchFamily="34" charset="0"/>
-              </a:rPr>
-              <a:t>May</a:t>
-            </a:r>
-            <a:endParaRPr lang="en-GB" dirty="0">
-              <a:solidFill>
-                <a:schemeClr val="bg1"/>
-              </a:solidFill>
-              <a:latin typeface="Calibri" panose="020F0502020204030204" pitchFamily="34" charset="0"/>
-              <a:cs typeface="Calibri" panose="020F0502020204030204" pitchFamily="34" charset="0"/>
-            </a:endParaRPr>
-          </a:p>
-        </p:txBody>
-      </p:sp>
-      <p:sp>
-        <p:nvSpPr>
-          <p:cNvPr id="16" name="TextBox 15">
-            <a:extLst>
-              <a:ext uri="{FF2B5EF4-FFF2-40B4-BE49-F238E27FC236}">
-                <a16:creationId xmlns:a16="http://schemas.microsoft.com/office/drawing/2014/main" id="{538B0B67-D7BC-6D0C-1B81-D25A00115542}"/>
-              </a:ext>
-            </a:extLst>
-          </p:cNvPr>
-          <p:cNvSpPr txBox="1"/>
-          <p:nvPr/>
-        </p:nvSpPr>
-        <p:spPr>
-          <a:xfrm>
-            <a:off x="7885255" y="2946943"/>
-            <a:ext cx="1415845" cy="307777"/>
-          </a:xfrm>
-          <a:prstGeom prst="rect">
-            <a:avLst/>
-          </a:prstGeom>
-          <a:noFill/>
-        </p:spPr>
-        <p:txBody>
-          <a:bodyPr wrap="square" rtlCol="0">
-            <a:spAutoFit/>
-          </a:bodyPr>
-          <a:lstStyle/>
-          <a:p>
-            <a:r>
-              <a:rPr lang="en-US" dirty="0">
-                <a:solidFill>
-                  <a:schemeClr val="bg1"/>
-                </a:solidFill>
-                <a:latin typeface="Calibri" panose="020F0502020204030204" pitchFamily="34" charset="0"/>
-                <a:cs typeface="Calibri" panose="020F0502020204030204" pitchFamily="34" charset="0"/>
-              </a:rPr>
-              <a:t>June</a:t>
-            </a:r>
-            <a:endParaRPr lang="en-GB" dirty="0">
-              <a:solidFill>
-                <a:schemeClr val="bg1"/>
-              </a:solidFill>
-              <a:latin typeface="Calibri" panose="020F0502020204030204" pitchFamily="34" charset="0"/>
-              <a:cs typeface="Calibri" panose="020F0502020204030204" pitchFamily="34" charset="0"/>
-            </a:endParaRPr>
-          </a:p>
-        </p:txBody>
-      </p:sp>
-      <p:sp>
-        <p:nvSpPr>
-          <p:cNvPr id="17" name="TextBox 16">
-            <a:extLst>
-              <a:ext uri="{FF2B5EF4-FFF2-40B4-BE49-F238E27FC236}">
-                <a16:creationId xmlns:a16="http://schemas.microsoft.com/office/drawing/2014/main" id="{2107DBD5-6E31-AC97-A455-E85378F3F8E1}"/>
-              </a:ext>
-            </a:extLst>
-          </p:cNvPr>
-          <p:cNvSpPr txBox="1"/>
-          <p:nvPr/>
-        </p:nvSpPr>
-        <p:spPr>
-          <a:xfrm>
-            <a:off x="409345" y="3659689"/>
-            <a:ext cx="1610138" cy="2246769"/>
-          </a:xfrm>
-          <a:prstGeom prst="rect">
-            <a:avLst/>
-          </a:prstGeom>
-          <a:noFill/>
-        </p:spPr>
-        <p:txBody>
-          <a:bodyPr wrap="square" rtlCol="0">
-            <a:spAutoFit/>
-          </a:bodyPr>
-          <a:lstStyle/>
-          <a:p>
-            <a:r>
-              <a:rPr lang="en-US" dirty="0">
-                <a:latin typeface="Calibri" panose="020F0502020204030204" pitchFamily="34" charset="0"/>
-                <a:cs typeface="Calibri" panose="020F0502020204030204" pitchFamily="34" charset="0"/>
-              </a:rPr>
-              <a:t>Manually created minimal </a:t>
+              <a:rPr lang="en-US" dirty="0"/>
+              <a:t>minimal </a:t>
             </a:r>
             <a:r>
-              <a:rPr lang="en-US" dirty="0" err="1">
-                <a:latin typeface="Calibri" panose="020F0502020204030204" pitchFamily="34" charset="0"/>
-                <a:cs typeface="Calibri" panose="020F0502020204030204" pitchFamily="34" charset="0"/>
-              </a:rPr>
-              <a:t>Dockerfiles</a:t>
+              <a:rPr lang="en-US" dirty="0" err="1"/>
+              <a:t>Dockerfile</a:t>
             </a:r>
-            <a:r>
-              <a:rPr lang="en-US" dirty="0">
-                <a:latin typeface="Calibri" panose="020F0502020204030204" pitchFamily="34" charset="0"/>
-                <a:cs typeface="Calibri" panose="020F0502020204030204" pitchFamily="34" charset="0"/>
-              </a:rPr>
-              <a:t> for </a:t>
-            </a:r>
-            <a:r>
-              <a:rPr lang="en-US" i="1" dirty="0">
-                <a:latin typeface="Calibri" panose="020F0502020204030204" pitchFamily="34" charset="0"/>
-                <a:cs typeface="Calibri" panose="020F0502020204030204" pitchFamily="34" charset="0"/>
-              </a:rPr>
-              <a:t>hello-world </a:t>
-            </a:r>
-            <a:r>
-              <a:rPr lang="en-US" dirty="0">
-                <a:latin typeface="Calibri" panose="020F0502020204030204" pitchFamily="34" charset="0"/>
-                <a:cs typeface="Calibri" panose="020F0502020204030204" pitchFamily="34" charset="0"/>
-              </a:rPr>
-              <a:t>app in different programming languages and complex one like DBs, </a:t>
-            </a:r>
-            <a:r>
-              <a:rPr lang="en-US" dirty="0" err="1">
-                <a:latin typeface="Calibri" panose="020F0502020204030204" pitchFamily="34" charset="0"/>
-                <a:cs typeface="Calibri" panose="020F0502020204030204" pitchFamily="34" charset="0"/>
-              </a:rPr>
-              <a:t>Wordpress</a:t>
-            </a:r>
-            <a:r>
-              <a:rPr lang="en-US" dirty="0">
-                <a:latin typeface="Calibri" panose="020F0502020204030204" pitchFamily="34" charset="0"/>
-                <a:cs typeface="Calibri" panose="020F0502020204030204" pitchFamily="34" charset="0"/>
-              </a:rPr>
-              <a:t>, headless browsers</a:t>
-            </a:r>
-            <a:endParaRPr lang="en-GB" dirty="0">
-              <a:latin typeface="Calibri" panose="020F0502020204030204" pitchFamily="34" charset="0"/>
-              <a:cs typeface="Calibri" panose="020F0502020204030204" pitchFamily="34" charset="0"/>
-            </a:endParaRPr>
-          </a:p>
-        </p:txBody>
-      </p:sp>
-      <p:sp>
-        <p:nvSpPr>
-          <p:cNvPr id="18" name="TextBox 17">
-            <a:extLst>
-              <a:ext uri="{FF2B5EF4-FFF2-40B4-BE49-F238E27FC236}">
-                <a16:creationId xmlns:a16="http://schemas.microsoft.com/office/drawing/2014/main" id="{5D47C368-AD7C-BE1C-1EF6-D9FAC450138F}"/>
-              </a:ext>
-            </a:extLst>
-          </p:cNvPr>
-          <p:cNvSpPr txBox="1"/>
-          <p:nvPr/>
-        </p:nvSpPr>
-        <p:spPr>
-          <a:xfrm>
-            <a:off x="2120244" y="3670884"/>
-            <a:ext cx="1610138" cy="1169551"/>
-          </a:xfrm>
-          <a:prstGeom prst="rect">
-            <a:avLst/>
-          </a:prstGeom>
-          <a:noFill/>
-        </p:spPr>
-        <p:txBody>
-          <a:bodyPr wrap="square" rtlCol="0">
-            <a:spAutoFit/>
-          </a:bodyPr>
-          <a:lstStyle/>
-          <a:p>
-            <a:r>
-              <a:rPr lang="en-US" dirty="0">
-                <a:latin typeface="Calibri" panose="020F0502020204030204" pitchFamily="34" charset="0"/>
-                <a:cs typeface="Calibri" panose="020F0502020204030204" pitchFamily="34" charset="0"/>
-              </a:rPr>
-              <a:t>Sketched the architectural diagram of the app and checked if the idea is feasible</a:t>
-            </a:r>
-            <a:endParaRPr lang="en-GB" dirty="0">
-              <a:latin typeface="Calibri" panose="020F0502020204030204" pitchFamily="34" charset="0"/>
-              <a:cs typeface="Calibri" panose="020F0502020204030204" pitchFamily="34" charset="0"/>
-            </a:endParaRPr>
-          </a:p>
-        </p:txBody>
-      </p:sp>
-      <p:sp>
-        <p:nvSpPr>
-          <p:cNvPr id="19" name="TextBox 18">
-            <a:extLst>
-              <a:ext uri="{FF2B5EF4-FFF2-40B4-BE49-F238E27FC236}">
-                <a16:creationId xmlns:a16="http://schemas.microsoft.com/office/drawing/2014/main" id="{3D7F7E57-55B1-156E-AE82-B230C8B7BA71}"/>
-              </a:ext>
-            </a:extLst>
-          </p:cNvPr>
-          <p:cNvSpPr txBox="1"/>
-          <p:nvPr/>
-        </p:nvSpPr>
-        <p:spPr>
-          <a:xfrm>
-            <a:off x="3833926" y="3706040"/>
-            <a:ext cx="1553074" cy="738664"/>
-          </a:xfrm>
-          <a:prstGeom prst="rect">
-            <a:avLst/>
-          </a:prstGeom>
-          <a:noFill/>
-        </p:spPr>
-        <p:txBody>
-          <a:bodyPr wrap="square" rtlCol="0">
-            <a:spAutoFit/>
-          </a:bodyPr>
-          <a:lstStyle/>
-          <a:p>
-            <a:r>
-              <a:rPr lang="en-US" dirty="0">
-                <a:latin typeface="Calibri" panose="020F0502020204030204" pitchFamily="34" charset="0"/>
-                <a:cs typeface="Calibri" panose="020F0502020204030204" pitchFamily="34" charset="0"/>
-              </a:rPr>
-              <a:t>Start work implementing the solution</a:t>
-            </a:r>
-            <a:endParaRPr lang="en-GB" dirty="0">
-              <a:latin typeface="Calibri" panose="020F0502020204030204" pitchFamily="34" charset="0"/>
-              <a:cs typeface="Calibri" panose="020F0502020204030204" pitchFamily="34" charset="0"/>
-            </a:endParaRPr>
-          </a:p>
-        </p:txBody>
-      </p:sp>
-      <p:sp>
-        <p:nvSpPr>
-          <p:cNvPr id="20" name="TextBox 19">
-            <a:extLst>
-              <a:ext uri="{FF2B5EF4-FFF2-40B4-BE49-F238E27FC236}">
-                <a16:creationId xmlns:a16="http://schemas.microsoft.com/office/drawing/2014/main" id="{B39120D5-EE96-E4FE-A0CC-E8ABD5CEDBD9}"/>
-              </a:ext>
-            </a:extLst>
-          </p:cNvPr>
-          <p:cNvSpPr txBox="1"/>
-          <p:nvPr/>
-        </p:nvSpPr>
-        <p:spPr>
-          <a:xfrm>
-            <a:off x="5518448" y="3706040"/>
-            <a:ext cx="1553074" cy="523220"/>
-          </a:xfrm>
-          <a:prstGeom prst="rect">
-            <a:avLst/>
-          </a:prstGeom>
-          <a:noFill/>
-        </p:spPr>
-        <p:txBody>
-          <a:bodyPr wrap="square" rtlCol="0">
-            <a:spAutoFit/>
-          </a:bodyPr>
-          <a:lstStyle/>
-          <a:p>
-            <a:r>
-              <a:rPr lang="en-US" dirty="0">
-                <a:latin typeface="Calibri" panose="020F0502020204030204" pitchFamily="34" charset="0"/>
-                <a:cs typeface="Calibri" panose="020F0502020204030204" pitchFamily="34" charset="0"/>
-              </a:rPr>
-              <a:t>Finish the development</a:t>
-            </a:r>
-            <a:endParaRPr lang="en-GB" dirty="0">
-              <a:latin typeface="Calibri" panose="020F0502020204030204" pitchFamily="34" charset="0"/>
-              <a:cs typeface="Calibri" panose="020F0502020204030204" pitchFamily="34" charset="0"/>
-            </a:endParaRPr>
-          </a:p>
-        </p:txBody>
-      </p:sp>
-      <p:sp>
-        <p:nvSpPr>
-          <p:cNvPr id="21" name="TextBox 20">
-            <a:extLst>
-              <a:ext uri="{FF2B5EF4-FFF2-40B4-BE49-F238E27FC236}">
-                <a16:creationId xmlns:a16="http://schemas.microsoft.com/office/drawing/2014/main" id="{18C4B8F7-307F-9AFD-3845-9DAB623CB9E8}"/>
-              </a:ext>
-            </a:extLst>
-          </p:cNvPr>
-          <p:cNvSpPr txBox="1"/>
-          <p:nvPr/>
-        </p:nvSpPr>
-        <p:spPr>
-          <a:xfrm>
-            <a:off x="7132447" y="3680823"/>
-            <a:ext cx="1610139" cy="738664"/>
-          </a:xfrm>
-          <a:prstGeom prst="rect">
-            <a:avLst/>
-          </a:prstGeom>
-          <a:noFill/>
-        </p:spPr>
-        <p:txBody>
-          <a:bodyPr wrap="square" rtlCol="0">
-            <a:spAutoFit/>
-          </a:bodyPr>
-          <a:lstStyle/>
-          <a:p>
-            <a:r>
-              <a:rPr lang="en-US" dirty="0">
-                <a:latin typeface="Calibri" panose="020F0502020204030204" pitchFamily="34" charset="0"/>
-                <a:cs typeface="Calibri" panose="020F0502020204030204" pitchFamily="34" charset="0"/>
-              </a:rPr>
-              <a:t>Focus on writing the documentation</a:t>
-            </a:r>
-          </a:p>
-          <a:p>
-            <a:r>
-              <a:rPr lang="en-US" dirty="0">
-                <a:latin typeface="Calibri" panose="020F0502020204030204" pitchFamily="34" charset="0"/>
-                <a:cs typeface="Calibri" panose="020F0502020204030204" pitchFamily="34" charset="0"/>
-              </a:rPr>
-              <a:t>and presentation </a:t>
-            </a:r>
-            <a:endParaRPr lang="en-GB" dirty="0">
-              <a:latin typeface="Calibri" panose="020F0502020204030204" pitchFamily="34" charset="0"/>
-              <a:cs typeface="Calibri" panose="020F0502020204030204" pitchFamily="34" charset="0"/>
-            </a:endParaRPr>
+            <a:endParaRPr lang="en-GB" dirty="0"/>
           </a:p>
         </p:txBody>
       </p:sp>
     </p:spTree>
+    <p:extLst>
+      <p:ext uri="{BB962C8B-B14F-4D97-AF65-F5344CB8AC3E}">
+        <p14:creationId xmlns:p14="http://schemas.microsoft.com/office/powerpoint/2010/main" val="84915204"/>
+      </p:ext>
+    </p:extLst>
   </p:cSld>
   <p:clrMapOvr>
     <a:masterClrMapping/>
   </p:clrMapOvr>
+  <p:timing>
+    <p:tnLst>
+      <p:par>
+        <p:cTn id="1" dur="indefinite" restart="never" nodeType="tmRoot">
+          <p:childTnLst>
+            <p:seq concurrent="1" nextAc="seek">
+              <p:cTn id="2" dur="indefinite" nodeType="mainSeq">
+                <p:childTnLst>
+                  <p:par>
+                    <p:cTn id="3" fill="hold">
+                      <p:stCondLst>
+                        <p:cond delay="indefinite"/>
+                      </p:stCondLst>
+                      <p:childTnLst>
+                        <p:par>
+                          <p:cTn id="4" fill="hold">
+                            <p:stCondLst>
+                              <p:cond delay="0"/>
+                            </p:stCondLst>
+                            <p:childTnLst>
+                              <p:par>
+                                <p:cTn id="5" presetID="1" presetClass="entr" presetSubtype="0" fill="hold" grpId="0" nodeType="clickEffect">
+                                  <p:stCondLst>
+                                    <p:cond delay="0"/>
+                                  </p:stCondLst>
+                                  <p:childTnLst>
+                                    <p:set>
+                                      <p:cBhvr>
+                                        <p:cTn id="6" dur="1" fill="hold">
+                                          <p:stCondLst>
+                                            <p:cond delay="0"/>
+                                          </p:stCondLst>
+                                        </p:cTn>
+                                        <p:tgtEl>
+                                          <p:spTgt spid="7"/>
+                                        </p:tgtEl>
+                                        <p:attrNameLst>
+                                          <p:attrName>style.visibility</p:attrName>
+                                        </p:attrNameLst>
+                                      </p:cBhvr>
+                                      <p:to>
+                                        <p:strVal val="visible"/>
+                                      </p:to>
+                                    </p:set>
+                                  </p:childTnLst>
+                                </p:cTn>
+                              </p:par>
+                              <p:par>
+                                <p:cTn id="7" presetID="1" presetClass="entr" presetSubtype="0" fill="hold" nodeType="withEffect">
+                                  <p:stCondLst>
+                                    <p:cond delay="0"/>
+                                  </p:stCondLst>
+                                  <p:childTnLst>
+                                    <p:set>
+                                      <p:cBhvr>
+                                        <p:cTn id="8" dur="1" fill="hold">
+                                          <p:stCondLst>
+                                            <p:cond delay="0"/>
+                                          </p:stCondLst>
+                                        </p:cTn>
+                                        <p:tgtEl>
+                                          <p:spTgt spid="9"/>
+                                        </p:tgtEl>
+                                        <p:attrNameLst>
+                                          <p:attrName>style.visibility</p:attrName>
+                                        </p:attrNameLst>
+                                      </p:cBhvr>
+                                      <p:to>
+                                        <p:strVal val="visible"/>
+                                      </p:to>
+                                    </p:set>
+                                  </p:childTnLst>
+                                </p:cTn>
+                              </p:par>
+                              <p:par>
+                                <p:cTn id="9" presetID="1" presetClass="entr" presetSubtype="0" fill="hold" grpId="0" nodeType="withEffect">
+                                  <p:stCondLst>
+                                    <p:cond delay="0"/>
+                                  </p:stCondLst>
+                                  <p:childTnLst>
+                                    <p:set>
+                                      <p:cBhvr>
+                                        <p:cTn id="10" dur="1" fill="hold">
+                                          <p:stCondLst>
+                                            <p:cond delay="0"/>
+                                          </p:stCondLst>
+                                        </p:cTn>
+                                        <p:tgtEl>
+                                          <p:spTgt spid="11"/>
+                                        </p:tgtEl>
+                                        <p:attrNameLst>
+                                          <p:attrName>style.visibility</p:attrName>
+                                        </p:attrNameLst>
+                                      </p:cBhvr>
+                                      <p:to>
+                                        <p:strVal val="visible"/>
+                                      </p:to>
+                                    </p:set>
+                                  </p:childTnLst>
+                                </p:cTn>
+                              </p:par>
+                            </p:childTnLst>
+                          </p:cTn>
+                        </p:par>
+                      </p:childTnLst>
+                    </p:cTn>
+                  </p:par>
+                </p:childTnLst>
+              </p:cTn>
+              <p:prevCondLst>
+                <p:cond evt="onPrev" delay="0">
+                  <p:tgtEl>
+                    <p:sldTgt/>
+                  </p:tgtEl>
+                </p:cond>
+              </p:prevCondLst>
+              <p:nextCondLst>
+                <p:cond evt="onNext" delay="0">
+                  <p:tgtEl>
+                    <p:sldTgt/>
+                  </p:tgtEl>
+                </p:cond>
+              </p:nextCondLst>
+            </p:seq>
+          </p:childTnLst>
+        </p:cTn>
+      </p:par>
+    </p:tnLst>
+    <p:bldLst>
+      <p:bldP spid="7" grpId="0" animBg="1"/>
+      <p:bldP spid="11" grpId="0"/>
+    </p:bldLst>
+  </p:timing>
 </p:sld>
 </file>
 

--- a/report1/Report1 2024-2025 - PETREA Andrei - Minimizarea unui Dockerfile.pptx
+++ b/report1/Report1 2024-2025 - PETREA Andrei - Minimizarea unui Dockerfile.pptx
@@ -15172,90 +15172,6 @@
   <p:clrMapOvr>
     <a:masterClrMapping/>
   </p:clrMapOvr>
-  <p:timing>
-    <p:tnLst>
-      <p:par>
-        <p:cTn id="1" dur="indefinite" restart="never" nodeType="tmRoot">
-          <p:childTnLst>
-            <p:seq concurrent="1" nextAc="seek">
-              <p:cTn id="2" dur="indefinite" nodeType="mainSeq">
-                <p:childTnLst>
-                  <p:par>
-                    <p:cTn id="3" fill="hold">
-                      <p:stCondLst>
-                        <p:cond delay="indefinite"/>
-                      </p:stCondLst>
-                      <p:childTnLst>
-                        <p:par>
-                          <p:cTn id="4" fill="hold">
-                            <p:stCondLst>
-                              <p:cond delay="0"/>
-                            </p:stCondLst>
-                            <p:childTnLst>
-                              <p:par>
-                                <p:cTn id="5" presetID="1" presetClass="entr" presetSubtype="0" fill="hold" nodeType="clickEffect" nodePh="1">
-                                  <p:stCondLst>
-                                    <p:cond delay="0"/>
-                                  </p:stCondLst>
-                                  <p:endCondLst>
-                                    <p:cond evt="begin" delay="0">
-                                      <p:tn val="5"/>
-                                    </p:cond>
-                                  </p:endCondLst>
-                                  <p:childTnLst>
-                                    <p:set>
-                                      <p:cBhvr>
-                                        <p:cTn id="6" dur="1" fill="hold">
-                                          <p:stCondLst>
-                                            <p:cond delay="0"/>
-                                          </p:stCondLst>
-                                        </p:cTn>
-                                        <p:tgtEl>
-                                          <p:spTgt spid="112">
-                                            <p:txEl>
-                                              <p:pRg st="0" end="0"/>
-                                            </p:txEl>
-                                          </p:spTgt>
-                                        </p:tgtEl>
-                                        <p:attrNameLst>
-                                          <p:attrName>style.visibility</p:attrName>
-                                        </p:attrNameLst>
-                                      </p:cBhvr>
-                                      <p:to>
-                                        <p:strVal val="visible"/>
-                                      </p:to>
-                                    </p:set>
-                                  </p:childTnLst>
-                                </p:cTn>
-                              </p:par>
-                            </p:childTnLst>
-                          </p:cTn>
-                        </p:par>
-                      </p:childTnLst>
-                    </p:cTn>
-                  </p:par>
-                </p:childTnLst>
-              </p:cTn>
-              <p:prevCondLst>
-                <p:cond evt="onPrev" delay="0">
-                  <p:tgtEl>
-                    <p:sldTgt/>
-                  </p:tgtEl>
-                </p:cond>
-              </p:prevCondLst>
-              <p:nextCondLst>
-                <p:cond evt="onNext" delay="0">
-                  <p:tgtEl>
-                    <p:sldTgt/>
-                  </p:tgtEl>
-                </p:cond>
-              </p:nextCondLst>
-            </p:seq>
-          </p:childTnLst>
-        </p:cTn>
-      </p:par>
-    </p:tnLst>
-  </p:timing>
 </p:sld>
 </file>
 
